--- a/materials/slides/ch03-lnmp-basic.pptx
+++ b/materials/slides/ch03-lnmp-basic.pptx
@@ -232,7 +232,7 @@
           <a:p>
             <a:fld id="{E923E828-953C-4D4A-9B10-11E7329F433D}" type="datetimeFigureOut">
               <a:rPr lang="zh-CN" altLang="en-US" smtClean="0"/>
-              <a:t>2018/2/7</a:t>
+              <a:t>2018/2/24</a:t>
             </a:fld>
             <a:endParaRPr lang="zh-CN" altLang="en-US"/>
           </a:p>
@@ -413,7 +413,7 @@
           <a:p>
             <a:fld id="{867C5346-22E5-4085-8130-851344A84DFF}" type="datetimeFigureOut">
               <a:rPr lang="zh-CN" altLang="en-US" smtClean="0"/>
-              <a:t>2018/2/7</a:t>
+              <a:t>2018/2/24</a:t>
             </a:fld>
             <a:endParaRPr lang="zh-CN" altLang="en-US"/>
           </a:p>
@@ -1511,7 +1511,7 @@
           <a:p>
             <a:fld id="{A5E21016-498F-4141-B0CA-D95A38CA7D62}" type="datetimeFigureOut">
               <a:rPr lang="zh-CN" altLang="en-US" smtClean="0"/>
-              <a:t>2018/2/7</a:t>
+              <a:t>2018/2/24</a:t>
             </a:fld>
             <a:endParaRPr lang="zh-CN" altLang="en-US"/>
           </a:p>
@@ -1741,7 +1741,7 @@
           <a:p>
             <a:fld id="{A5E21016-498F-4141-B0CA-D95A38CA7D62}" type="datetimeFigureOut">
               <a:rPr lang="zh-CN" altLang="en-US" smtClean="0"/>
-              <a:t>2018/2/7</a:t>
+              <a:t>2018/2/24</a:t>
             </a:fld>
             <a:endParaRPr lang="zh-CN" altLang="en-US"/>
           </a:p>
@@ -1976,7 +1976,7 @@
           <a:p>
             <a:fld id="{A5E21016-498F-4141-B0CA-D95A38CA7D62}" type="datetimeFigureOut">
               <a:rPr lang="zh-CN" altLang="en-US" smtClean="0"/>
-              <a:t>2018/2/7</a:t>
+              <a:t>2018/2/24</a:t>
             </a:fld>
             <a:endParaRPr lang="zh-CN" altLang="en-US"/>
           </a:p>
@@ -2538,7 +2538,7 @@
           <a:p>
             <a:fld id="{A5E21016-498F-4141-B0CA-D95A38CA7D62}" type="datetimeFigureOut">
               <a:rPr lang="zh-CN" altLang="en-US" smtClean="0"/>
-              <a:t>2018/2/7</a:t>
+              <a:t>2018/2/24</a:t>
             </a:fld>
             <a:endParaRPr lang="zh-CN" altLang="en-US"/>
           </a:p>
@@ -2835,7 +2835,7 @@
           <a:p>
             <a:fld id="{A5E21016-498F-4141-B0CA-D95A38CA7D62}" type="datetimeFigureOut">
               <a:rPr lang="zh-CN" altLang="en-US" smtClean="0"/>
-              <a:t>2018/2/7</a:t>
+              <a:t>2018/2/24</a:t>
             </a:fld>
             <a:endParaRPr lang="zh-CN" altLang="en-US"/>
           </a:p>
@@ -3274,7 +3274,7 @@
           <a:p>
             <a:fld id="{A5E21016-498F-4141-B0CA-D95A38CA7D62}" type="datetimeFigureOut">
               <a:rPr lang="zh-CN" altLang="en-US" smtClean="0"/>
-              <a:t>2018/2/7</a:t>
+              <a:t>2018/2/24</a:t>
             </a:fld>
             <a:endParaRPr lang="zh-CN" altLang="en-US"/>
           </a:p>
@@ -3447,7 +3447,7 @@
           <a:p>
             <a:fld id="{A5E21016-498F-4141-B0CA-D95A38CA7D62}" type="datetimeFigureOut">
               <a:rPr lang="zh-CN" altLang="en-US" smtClean="0"/>
-              <a:t>2018/2/7</a:t>
+              <a:t>2018/2/24</a:t>
             </a:fld>
             <a:endParaRPr lang="zh-CN" altLang="en-US"/>
           </a:p>
@@ -3584,7 +3584,7 @@
           <a:p>
             <a:fld id="{A5E21016-498F-4141-B0CA-D95A38CA7D62}" type="datetimeFigureOut">
               <a:rPr lang="zh-CN" altLang="en-US" smtClean="0"/>
-              <a:t>2018/2/7</a:t>
+              <a:t>2018/2/24</a:t>
             </a:fld>
             <a:endParaRPr lang="zh-CN" altLang="en-US"/>
           </a:p>
@@ -3922,7 +3922,7 @@
           <a:p>
             <a:fld id="{A5E21016-498F-4141-B0CA-D95A38CA7D62}" type="datetimeFigureOut">
               <a:rPr lang="zh-CN" altLang="en-US" smtClean="0"/>
-              <a:t>2018/2/7</a:t>
+              <a:t>2018/2/24</a:t>
             </a:fld>
             <a:endParaRPr lang="zh-CN" altLang="en-US"/>
           </a:p>
@@ -4237,7 +4237,7 @@
           <a:p>
             <a:fld id="{A5E21016-498F-4141-B0CA-D95A38CA7D62}" type="datetimeFigureOut">
               <a:rPr lang="zh-CN" altLang="en-US" smtClean="0"/>
-              <a:t>2018/2/7</a:t>
+              <a:t>2018/2/24</a:t>
             </a:fld>
             <a:endParaRPr lang="zh-CN" altLang="en-US"/>
           </a:p>
@@ -6977,16 +6977,12 @@
           </a:p>
           <a:p>
             <a:r>
+              <a:rPr lang="zh-CN" altLang="en-US" sz="2000"/>
+              <a:t>具体代码参考脚本文件</a:t>
+            </a:r>
+            <a:r>
               <a:rPr lang="zh-CN" altLang="en-US" sz="2000" dirty="0"/>
-              <a:t>具体代码不便在</a:t>
-            </a:r>
-            <a:r>
-              <a:rPr lang="en-US" altLang="zh-CN" sz="2000" dirty="0"/>
-              <a:t>ppt</a:t>
-            </a:r>
-            <a:r>
-              <a:rPr lang="zh-CN" altLang="en-US" sz="2000" dirty="0"/>
-              <a:t>展示，参考代码文件。</a:t>
+              <a:t>。</a:t>
             </a:r>
             <a:endParaRPr lang="en-US" altLang="zh-CN" sz="2000" dirty="0"/>
           </a:p>

--- a/materials/slides/ch03-lnmp-basic.pptx
+++ b/materials/slides/ch03-lnmp-basic.pptx
@@ -232,7 +232,7 @@
           <a:p>
             <a:fld id="{E923E828-953C-4D4A-9B10-11E7329F433D}" type="datetimeFigureOut">
               <a:rPr lang="zh-CN" altLang="en-US" smtClean="0"/>
-              <a:t>2018/2/24</a:t>
+              <a:t>2018/2/28</a:t>
             </a:fld>
             <a:endParaRPr lang="zh-CN" altLang="en-US"/>
           </a:p>
@@ -413,7 +413,7 @@
           <a:p>
             <a:fld id="{867C5346-22E5-4085-8130-851344A84DFF}" type="datetimeFigureOut">
               <a:rPr lang="zh-CN" altLang="en-US" smtClean="0"/>
-              <a:t>2018/2/24</a:t>
+              <a:t>2018/2/28</a:t>
             </a:fld>
             <a:endParaRPr lang="zh-CN" altLang="en-US"/>
           </a:p>
@@ -1511,7 +1511,7 @@
           <a:p>
             <a:fld id="{A5E21016-498F-4141-B0CA-D95A38CA7D62}" type="datetimeFigureOut">
               <a:rPr lang="zh-CN" altLang="en-US" smtClean="0"/>
-              <a:t>2018/2/24</a:t>
+              <a:t>2018/2/28</a:t>
             </a:fld>
             <a:endParaRPr lang="zh-CN" altLang="en-US"/>
           </a:p>
@@ -1741,7 +1741,7 @@
           <a:p>
             <a:fld id="{A5E21016-498F-4141-B0CA-D95A38CA7D62}" type="datetimeFigureOut">
               <a:rPr lang="zh-CN" altLang="en-US" smtClean="0"/>
-              <a:t>2018/2/24</a:t>
+              <a:t>2018/2/28</a:t>
             </a:fld>
             <a:endParaRPr lang="zh-CN" altLang="en-US"/>
           </a:p>
@@ -1976,7 +1976,7 @@
           <a:p>
             <a:fld id="{A5E21016-498F-4141-B0CA-D95A38CA7D62}" type="datetimeFigureOut">
               <a:rPr lang="zh-CN" altLang="en-US" smtClean="0"/>
-              <a:t>2018/2/24</a:t>
+              <a:t>2018/2/28</a:t>
             </a:fld>
             <a:endParaRPr lang="zh-CN" altLang="en-US"/>
           </a:p>
@@ -2538,7 +2538,7 @@
           <a:p>
             <a:fld id="{A5E21016-498F-4141-B0CA-D95A38CA7D62}" type="datetimeFigureOut">
               <a:rPr lang="zh-CN" altLang="en-US" smtClean="0"/>
-              <a:t>2018/2/24</a:t>
+              <a:t>2018/2/28</a:t>
             </a:fld>
             <a:endParaRPr lang="zh-CN" altLang="en-US"/>
           </a:p>
@@ -2835,7 +2835,7 @@
           <a:p>
             <a:fld id="{A5E21016-498F-4141-B0CA-D95A38CA7D62}" type="datetimeFigureOut">
               <a:rPr lang="zh-CN" altLang="en-US" smtClean="0"/>
-              <a:t>2018/2/24</a:t>
+              <a:t>2018/2/28</a:t>
             </a:fld>
             <a:endParaRPr lang="zh-CN" altLang="en-US"/>
           </a:p>
@@ -3274,7 +3274,7 @@
           <a:p>
             <a:fld id="{A5E21016-498F-4141-B0CA-D95A38CA7D62}" type="datetimeFigureOut">
               <a:rPr lang="zh-CN" altLang="en-US" smtClean="0"/>
-              <a:t>2018/2/24</a:t>
+              <a:t>2018/2/28</a:t>
             </a:fld>
             <a:endParaRPr lang="zh-CN" altLang="en-US"/>
           </a:p>
@@ -3447,7 +3447,7 @@
           <a:p>
             <a:fld id="{A5E21016-498F-4141-B0CA-D95A38CA7D62}" type="datetimeFigureOut">
               <a:rPr lang="zh-CN" altLang="en-US" smtClean="0"/>
-              <a:t>2018/2/24</a:t>
+              <a:t>2018/2/28</a:t>
             </a:fld>
             <a:endParaRPr lang="zh-CN" altLang="en-US"/>
           </a:p>
@@ -3584,7 +3584,7 @@
           <a:p>
             <a:fld id="{A5E21016-498F-4141-B0CA-D95A38CA7D62}" type="datetimeFigureOut">
               <a:rPr lang="zh-CN" altLang="en-US" smtClean="0"/>
-              <a:t>2018/2/24</a:t>
+              <a:t>2018/2/28</a:t>
             </a:fld>
             <a:endParaRPr lang="zh-CN" altLang="en-US"/>
           </a:p>
@@ -3922,7 +3922,7 @@
           <a:p>
             <a:fld id="{A5E21016-498F-4141-B0CA-D95A38CA7D62}" type="datetimeFigureOut">
               <a:rPr lang="zh-CN" altLang="en-US" smtClean="0"/>
-              <a:t>2018/2/24</a:t>
+              <a:t>2018/2/28</a:t>
             </a:fld>
             <a:endParaRPr lang="zh-CN" altLang="en-US"/>
           </a:p>
@@ -4237,7 +4237,7 @@
           <a:p>
             <a:fld id="{A5E21016-498F-4141-B0CA-D95A38CA7D62}" type="datetimeFigureOut">
               <a:rPr lang="zh-CN" altLang="en-US" smtClean="0"/>
-              <a:t>2018/2/24</a:t>
+              <a:t>2018/2/28</a:t>
             </a:fld>
             <a:endParaRPr lang="zh-CN" altLang="en-US"/>
           </a:p>
@@ -4836,7 +4836,7 @@
         <p:spPr>
           <a:xfrm>
             <a:off x="672483" y="1012055"/>
-            <a:ext cx="10847034" cy="5170646"/>
+            <a:ext cx="10847034" cy="4893647"/>
           </a:xfrm>
           <a:prstGeom prst="rect">
             <a:avLst/>
@@ -4851,11 +4851,19 @@
           <a:p>
             <a:r>
               <a:rPr lang="en-US" altLang="zh-CN" sz="3200" dirty="0"/>
+              <a:t>Linux</a:t>
+            </a:r>
+            <a:r>
+              <a:rPr lang="zh-CN" altLang="en-US" sz="3200" dirty="0"/>
+              <a:t>平台</a:t>
+            </a:r>
+            <a:r>
+              <a:rPr lang="en-US" altLang="zh-CN" sz="3200" dirty="0"/>
               <a:t>PHP</a:t>
             </a:r>
             <a:r>
               <a:rPr lang="zh-CN" altLang="en-US" sz="3200" dirty="0"/>
-              <a:t>底层开发 </a:t>
+              <a:t>服务端开发</a:t>
             </a:r>
             <a:r>
               <a:rPr lang="en-US" altLang="zh-CN" sz="3200" dirty="0"/>
@@ -4876,73 +4884,47 @@
           </a:p>
           <a:p>
             <a:pPr algn="ctr"/>
-            <a:r>
-              <a:rPr lang="en-US" altLang="zh-CN" dirty="0">
-                <a:solidFill>
-                  <a:schemeClr val="tx1">
-                    <a:lumMod val="50000"/>
-                    <a:lumOff val="50000"/>
-                  </a:schemeClr>
-                </a:solidFill>
-              </a:rPr>
-              <a:t>1  0  0  1</a:t>
-            </a:r>
+            <a:endParaRPr lang="en-US" altLang="zh-CN" dirty="0">
+              <a:solidFill>
+                <a:schemeClr val="tx1">
+                  <a:lumMod val="50000"/>
+                  <a:lumOff val="50000"/>
+                </a:schemeClr>
+              </a:solidFill>
+            </a:endParaRPr>
           </a:p>
           <a:p>
             <a:pPr algn="ctr"/>
-            <a:r>
-              <a:rPr lang="en-US" altLang="zh-CN" dirty="0">
-                <a:solidFill>
-                  <a:schemeClr val="tx1">
-                    <a:lumMod val="50000"/>
-                    <a:lumOff val="50000"/>
-                  </a:schemeClr>
-                </a:solidFill>
-              </a:rPr>
-              <a:t>0  1  1  0</a:t>
-            </a:r>
+            <a:endParaRPr lang="en-US" altLang="zh-CN" dirty="0">
+              <a:solidFill>
+                <a:schemeClr val="tx1">
+                  <a:lumMod val="50000"/>
+                  <a:lumOff val="50000"/>
+                </a:schemeClr>
+              </a:solidFill>
+            </a:endParaRPr>
           </a:p>
           <a:p>
             <a:pPr algn="ctr"/>
-            <a:r>
-              <a:rPr lang="en-US" altLang="zh-CN" dirty="0">
-                <a:solidFill>
-                  <a:schemeClr val="tx1">
-                    <a:lumMod val="50000"/>
-                    <a:lumOff val="50000"/>
-                  </a:schemeClr>
-                </a:solidFill>
-              </a:rPr>
-              <a:t>1  0  0  1</a:t>
-            </a:r>
+            <a:endParaRPr lang="en-US" altLang="zh-CN" dirty="0">
+              <a:solidFill>
+                <a:schemeClr val="tx1">
+                  <a:lumMod val="50000"/>
+                  <a:lumOff val="50000"/>
+                </a:schemeClr>
+              </a:solidFill>
+            </a:endParaRPr>
           </a:p>
           <a:p>
             <a:pPr algn="ctr"/>
-            <a:r>
-              <a:rPr lang="en-US" altLang="zh-CN" dirty="0">
-                <a:solidFill>
-                  <a:schemeClr val="tx1">
-                    <a:lumMod val="50000"/>
-                    <a:lumOff val="50000"/>
-                  </a:schemeClr>
-                </a:solidFill>
-              </a:rPr>
-              <a:t>0  1  1  0</a:t>
-            </a:r>
-          </a:p>
-          <a:p>
-            <a:pPr algn="ctr"/>
-            <a:r>
-              <a:rPr lang="en-US" altLang="zh-CN" dirty="0">
-                <a:solidFill>
-                  <a:schemeClr val="tx1">
-                    <a:lumMod val="50000"/>
-                    <a:lumOff val="50000"/>
-                  </a:schemeClr>
-                </a:solidFill>
-              </a:rPr>
-              <a:t>1  0  0  1</a:t>
-            </a:r>
+            <a:endParaRPr lang="en-US" altLang="zh-CN" dirty="0">
+              <a:solidFill>
+                <a:schemeClr val="tx1">
+                  <a:lumMod val="50000"/>
+                  <a:lumOff val="50000"/>
+                </a:schemeClr>
+              </a:solidFill>
+            </a:endParaRPr>
           </a:p>
           <a:p>
             <a:pPr algn="ctr"/>
@@ -4951,15 +4933,15 @@
           <a:p>
             <a:pPr algn="ctr"/>
             <a:r>
-              <a:rPr lang="zh-CN" altLang="en-US" sz="2800" dirty="0"/>
-              <a:t>第二讲 </a:t>
+              <a:rPr lang="zh-CN" altLang="en-US" sz="2800"/>
+              <a:t>第三讲 </a:t>
             </a:r>
             <a:r>
               <a:rPr lang="en-US" altLang="zh-CN" sz="2800" dirty="0"/>
               <a:t>LNMP</a:t>
             </a:r>
             <a:r>
-              <a:rPr lang="zh-CN" altLang="en-US" sz="2800"/>
+              <a:rPr lang="zh-CN" altLang="en-US" sz="2800" dirty="0"/>
               <a:t>初步</a:t>
             </a:r>
             <a:endParaRPr lang="en-US" altLang="zh-CN" sz="2800" dirty="0"/>
@@ -4978,61 +4960,6 @@
           </a:p>
           <a:p>
             <a:endParaRPr lang="en-US" altLang="zh-CN" dirty="0"/>
-          </a:p>
-        </p:txBody>
-      </p:sp>
-      <p:sp>
-        <p:nvSpPr>
-          <p:cNvPr id="4" name="云形 3">
-            <a:extLst>
-              <a:ext uri="{FF2B5EF4-FFF2-40B4-BE49-F238E27FC236}">
-                <a16:creationId xmlns:a16="http://schemas.microsoft.com/office/drawing/2014/main" id="{FB93CA04-9A10-4FDC-B520-5825D0C2A77A}"/>
-              </a:ext>
-            </a:extLst>
-          </p:cNvPr>
-          <p:cNvSpPr/>
-          <p:nvPr/>
-        </p:nvSpPr>
-        <p:spPr>
-          <a:xfrm>
-            <a:off x="4685710" y="1632582"/>
-            <a:ext cx="2521259" cy="1020932"/>
-          </a:xfrm>
-          <a:prstGeom prst="cloud">
-            <a:avLst/>
-          </a:prstGeom>
-          <a:noFill/>
-          <a:ln>
-            <a:solidFill>
-              <a:schemeClr val="tx1">
-                <a:lumMod val="65000"/>
-                <a:lumOff val="35000"/>
-              </a:schemeClr>
-            </a:solidFill>
-          </a:ln>
-        </p:spPr>
-        <p:style>
-          <a:lnRef idx="2">
-            <a:schemeClr val="accent1">
-              <a:shade val="50000"/>
-            </a:schemeClr>
-          </a:lnRef>
-          <a:fillRef idx="1">
-            <a:schemeClr val="accent1"/>
-          </a:fillRef>
-          <a:effectRef idx="0">
-            <a:schemeClr val="accent1"/>
-          </a:effectRef>
-          <a:fontRef idx="minor">
-            <a:schemeClr val="lt1"/>
-          </a:fontRef>
-        </p:style>
-        <p:txBody>
-          <a:bodyPr rtlCol="0" anchor="ctr"/>
-          <a:lstStyle/>
-          <a:p>
-            <a:pPr algn="ctr"/>
-            <a:endParaRPr lang="zh-CN" altLang="en-US"/>
           </a:p>
         </p:txBody>
       </p:sp>
@@ -5261,20 +5188,20 @@
             <p:ph idx="1"/>
             <p:extLst>
               <p:ext uri="{D42A27DB-BD31-4B8C-83A1-F6EECF244321}">
-                <p14:modId xmlns:p14="http://schemas.microsoft.com/office/powerpoint/2010/main" val="901409426"/>
+                <p14:modId xmlns:p14="http://schemas.microsoft.com/office/powerpoint/2010/main" val="1742208748"/>
               </p:ext>
             </p:extLst>
           </p:nvPr>
         </p:nvGraphicFramePr>
         <p:xfrm>
-          <a:off x="870012" y="1660123"/>
-          <a:ext cx="10483788" cy="4860000"/>
+          <a:off x="870012" y="1660122"/>
+          <a:ext cx="10483788" cy="5015889"/>
         </p:xfrm>
         <a:graphic>
           <a:graphicData uri="http://schemas.openxmlformats.org/drawingml/2006/table">
             <a:tbl>
               <a:tblPr firstRow="1" bandRow="1">
-                <a:tableStyleId>{F5AB1C69-6EDB-4FF4-983F-18BD219EF322}</a:tableStyleId>
+                <a:tableStyleId>{2D5ABB26-0587-4C30-8999-92F81FD0307C}</a:tableStyleId>
               </a:tblPr>
               <a:tblGrid>
                 <a:gridCol w="2633855">
@@ -5292,7 +5219,7 @@
                   </a:extLst>
                 </a:gridCol>
               </a:tblGrid>
-              <a:tr h="540000">
+              <a:tr h="557321">
                 <a:tc>
                   <a:txBody>
                     <a:bodyPr/>
@@ -5300,15 +5227,15 @@
                     <a:p>
                       <a:pPr algn="ctr"/>
                       <a:r>
-                        <a:rPr lang="zh-CN" altLang="en-US" dirty="0"/>
+                        <a:rPr lang="zh-CN" altLang="en-US" b="1" dirty="0"/>
                         <a:t>目录</a:t>
                       </a:r>
                       <a:r>
-                        <a:rPr lang="en-US" altLang="zh-CN" dirty="0"/>
+                        <a:rPr lang="en-US" altLang="zh-CN" b="1" dirty="0"/>
                         <a:t>/</a:t>
                       </a:r>
                       <a:r>
-                        <a:rPr lang="zh-CN" altLang="en-US" dirty="0"/>
+                        <a:rPr lang="zh-CN" altLang="en-US" b="1" dirty="0"/>
                         <a:t>文件</a:t>
                       </a:r>
                     </a:p>
@@ -5322,7 +5249,7 @@
                     <a:p>
                       <a:pPr algn="ctr"/>
                       <a:r>
-                        <a:rPr lang="zh-CN" altLang="en-US" dirty="0"/>
+                        <a:rPr lang="zh-CN" altLang="en-US" b="1" dirty="0"/>
                         <a:t>说明</a:t>
                       </a:r>
                     </a:p>
@@ -5335,7 +5262,7 @@
                   </a:ext>
                 </a:extLst>
               </a:tr>
-              <a:tr h="540000">
+              <a:tr h="557321">
                 <a:tc>
                   <a:txBody>
                     <a:bodyPr/>
@@ -5356,7 +5283,7 @@
                     <a:bodyPr/>
                     <a:lstStyle/>
                     <a:p>
-                      <a:pPr algn="ctr"/>
+                      <a:pPr algn="l"/>
                       <a:r>
                         <a:rPr lang="zh-CN" altLang="en-US" dirty="0"/>
                         <a:t>编译初始化配置脚本</a:t>
@@ -5371,7 +5298,7 @@
                   </a:ext>
                 </a:extLst>
               </a:tr>
-              <a:tr h="540000">
+              <a:tr h="557321">
                 <a:tc>
                   <a:txBody>
                     <a:bodyPr/>
@@ -5392,7 +5319,7 @@
                     <a:bodyPr/>
                     <a:lstStyle/>
                     <a:p>
-                      <a:pPr algn="ctr"/>
+                      <a:pPr algn="l"/>
                       <a:r>
                         <a:rPr lang="zh-CN" altLang="en-US" dirty="0"/>
                         <a:t>源代码</a:t>
@@ -5407,7 +5334,7 @@
                   </a:ext>
                 </a:extLst>
               </a:tr>
-              <a:tr h="540000">
+              <a:tr h="557321">
                 <a:tc>
                   <a:txBody>
                     <a:bodyPr/>
@@ -5432,7 +5359,7 @@
                     <a:bodyPr/>
                     <a:lstStyle/>
                     <a:p>
-                      <a:pPr algn="ctr"/>
+                      <a:pPr algn="l"/>
                       <a:r>
                         <a:rPr lang="en-US" altLang="zh-CN" dirty="0"/>
                         <a:t>Nginx</a:t>
@@ -5451,7 +5378,7 @@
                   </a:ext>
                 </a:extLst>
               </a:tr>
-              <a:tr h="540000">
+              <a:tr h="557321">
                 <a:tc>
                   <a:txBody>
                     <a:bodyPr/>
@@ -5476,7 +5403,7 @@
                     <a:bodyPr/>
                     <a:lstStyle/>
                     <a:p>
-                      <a:pPr algn="ctr"/>
+                      <a:pPr algn="l"/>
                       <a:r>
                         <a:rPr lang="en-US" altLang="zh-CN" dirty="0"/>
                         <a:t>Nginx</a:t>
@@ -5495,7 +5422,7 @@
                   </a:ext>
                 </a:extLst>
               </a:tr>
-              <a:tr h="540000">
+              <a:tr h="557321">
                 <a:tc>
                   <a:txBody>
                     <a:bodyPr/>
@@ -5520,7 +5447,7 @@
                     <a:bodyPr/>
                     <a:lstStyle/>
                     <a:p>
-                      <a:pPr algn="ctr"/>
+                      <a:pPr algn="l"/>
                       <a:r>
                         <a:rPr lang="en-US" altLang="zh-CN" dirty="0"/>
                         <a:t>http</a:t>
@@ -5539,7 +5466,7 @@
                   </a:ext>
                 </a:extLst>
               </a:tr>
-              <a:tr h="540000">
+              <a:tr h="557321">
                 <a:tc>
                   <a:txBody>
                     <a:bodyPr/>
@@ -5564,7 +5491,7 @@
                     <a:bodyPr/>
                     <a:lstStyle/>
                     <a:p>
-                      <a:pPr algn="ctr"/>
+                      <a:pPr algn="l"/>
                       <a:r>
                         <a:rPr lang="en-US" altLang="zh-CN" dirty="0"/>
                         <a:t>1.9</a:t>
@@ -5591,7 +5518,7 @@
                   </a:ext>
                 </a:extLst>
               </a:tr>
-              <a:tr h="540000">
+              <a:tr h="557321">
                 <a:tc>
                   <a:txBody>
                     <a:bodyPr/>
@@ -5616,7 +5543,7 @@
                     <a:bodyPr/>
                     <a:lstStyle/>
                     <a:p>
-                      <a:pPr algn="ctr"/>
+                      <a:pPr algn="l"/>
                       <a:r>
                         <a:rPr lang="en-US" altLang="zh-CN" dirty="0"/>
                         <a:t>HTTP2</a:t>
@@ -5635,7 +5562,7 @@
                   </a:ext>
                 </a:extLst>
               </a:tr>
-              <a:tr h="540000">
+              <a:tr h="557321">
                 <a:tc>
                   <a:txBody>
                     <a:bodyPr/>
@@ -5660,7 +5587,7 @@
                     <a:bodyPr/>
                     <a:lstStyle/>
                     <a:p>
-                      <a:pPr algn="ctr"/>
+                      <a:pPr algn="l"/>
                       <a:r>
                         <a:rPr lang="en-US" altLang="zh-CN" dirty="0"/>
                         <a:t>http</a:t>
@@ -5999,30 +5926,30 @@
             <p:ph idx="1"/>
             <p:extLst>
               <p:ext uri="{D42A27DB-BD31-4B8C-83A1-F6EECF244321}">
-                <p14:modId xmlns:p14="http://schemas.microsoft.com/office/powerpoint/2010/main" val="3245861227"/>
+                <p14:modId xmlns:p14="http://schemas.microsoft.com/office/powerpoint/2010/main" val="618928670"/>
               </p:ext>
             </p:extLst>
           </p:nvPr>
         </p:nvGraphicFramePr>
         <p:xfrm>
-          <a:off x="838200" y="1655763"/>
-          <a:ext cx="10515600" cy="2966720"/>
+          <a:off x="838200" y="1655762"/>
+          <a:ext cx="10515600" cy="3706352"/>
         </p:xfrm>
         <a:graphic>
           <a:graphicData uri="http://schemas.openxmlformats.org/drawingml/2006/table">
             <a:tbl>
               <a:tblPr firstRow="1" bandRow="1">
-                <a:tableStyleId>{7DF18680-E054-41AD-8BC1-D1AEF772440D}</a:tableStyleId>
+                <a:tableStyleId>{2D5ABB26-0587-4C30-8999-92F81FD0307C}</a:tableStyleId>
               </a:tblPr>
               <a:tblGrid>
-                <a:gridCol w="5257800">
+                <a:gridCol w="2588581">
                   <a:extLst>
                     <a:ext uri="{9D8B030D-6E8A-4147-A177-3AD203B41FA5}">
                       <a16:colId xmlns:a16="http://schemas.microsoft.com/office/drawing/2014/main" val="20000"/>
                     </a:ext>
                   </a:extLst>
                 </a:gridCol>
-                <a:gridCol w="5257800">
+                <a:gridCol w="7927019">
                   <a:extLst>
                     <a:ext uri="{9D8B030D-6E8A-4147-A177-3AD203B41FA5}">
                       <a16:colId xmlns:a16="http://schemas.microsoft.com/office/drawing/2014/main" val="20001"/>
@@ -6030,19 +5957,20 @@
                   </a:extLst>
                 </a:gridCol>
               </a:tblGrid>
-              <a:tr h="370840">
+              <a:tr h="926588">
                 <a:tc>
                   <a:txBody>
                     <a:bodyPr/>
                     <a:lstStyle/>
                     <a:p>
+                      <a:pPr algn="ctr"/>
                       <a:r>
                         <a:rPr lang="zh-CN" altLang="en-US" dirty="0"/>
                         <a:t>目录</a:t>
                       </a:r>
                     </a:p>
                   </a:txBody>
-                  <a:tcPr/>
+                  <a:tcPr anchor="ctr"/>
                 </a:tc>
                 <a:tc>
                   <a:txBody>
@@ -6055,7 +5983,7 @@
                       </a:r>
                     </a:p>
                   </a:txBody>
-                  <a:tcPr/>
+                  <a:tcPr anchor="ctr"/>
                 </a:tc>
                 <a:extLst>
                   <a:ext uri="{0D108BD9-81ED-4DB2-BD59-A6C34878D82A}">
@@ -6063,26 +5991,38 @@
                   </a:ext>
                 </a:extLst>
               </a:tr>
-              <a:tr h="370840">
+              <a:tr h="926588">
                 <a:tc>
                   <a:txBody>
                     <a:bodyPr/>
                     <a:lstStyle/>
                     <a:p>
-                      <a:endParaRPr lang="zh-CN" altLang="en-US"/>
+                      <a:pPr algn="ctr"/>
+                      <a:r>
+                        <a:rPr lang="en-US" altLang="zh-CN" dirty="0" err="1"/>
+                        <a:t>sbin</a:t>
+                      </a:r>
+                      <a:endParaRPr lang="zh-CN" altLang="en-US" dirty="0"/>
                     </a:p>
                   </a:txBody>
-                  <a:tcPr/>
+                  <a:tcPr anchor="ctr"/>
                 </a:tc>
                 <a:tc>
                   <a:txBody>
                     <a:bodyPr/>
                     <a:lstStyle/>
                     <a:p>
-                      <a:endParaRPr lang="zh-CN" altLang="en-US"/>
+                      <a:r>
+                        <a:rPr lang="en-US" altLang="zh-CN" dirty="0" err="1"/>
+                        <a:t>nginx</a:t>
+                      </a:r>
+                      <a:r>
+                        <a:rPr lang="zh-CN" altLang="en-US" dirty="0"/>
+                        <a:t>程序所在目录</a:t>
+                      </a:r>
                     </a:p>
                   </a:txBody>
-                  <a:tcPr/>
+                  <a:tcPr anchor="ctr"/>
                 </a:tc>
                 <a:extLst>
                   <a:ext uri="{0D108BD9-81ED-4DB2-BD59-A6C34878D82A}">
@@ -6090,26 +6030,34 @@
                   </a:ext>
                 </a:extLst>
               </a:tr>
-              <a:tr h="370840">
+              <a:tr h="926588">
                 <a:tc>
                   <a:txBody>
                     <a:bodyPr/>
                     <a:lstStyle/>
                     <a:p>
-                      <a:endParaRPr lang="zh-CN" altLang="en-US"/>
+                      <a:pPr algn="ctr"/>
+                      <a:r>
+                        <a:rPr lang="en-US" altLang="zh-CN" dirty="0" err="1"/>
+                        <a:t>conf</a:t>
+                      </a:r>
+                      <a:endParaRPr lang="zh-CN" altLang="en-US" dirty="0"/>
                     </a:p>
                   </a:txBody>
-                  <a:tcPr/>
+                  <a:tcPr anchor="ctr"/>
                 </a:tc>
                 <a:tc>
                   <a:txBody>
                     <a:bodyPr/>
                     <a:lstStyle/>
                     <a:p>
-                      <a:endParaRPr lang="zh-CN" altLang="en-US"/>
+                      <a:r>
+                        <a:rPr lang="zh-CN" altLang="en-US" dirty="0"/>
+                        <a:t>配置文件目录</a:t>
+                      </a:r>
                     </a:p>
                   </a:txBody>
-                  <a:tcPr/>
+                  <a:tcPr anchor="ctr"/>
                 </a:tc>
                 <a:extLst>
                   <a:ext uri="{0D108BD9-81ED-4DB2-BD59-A6C34878D82A}">
@@ -6117,138 +6065,78 @@
                   </a:ext>
                 </a:extLst>
               </a:tr>
-              <a:tr h="370840">
+              <a:tr h="926588">
                 <a:tc>
                   <a:txBody>
                     <a:bodyPr/>
                     <a:lstStyle/>
                     <a:p>
-                      <a:endParaRPr lang="zh-CN" altLang="en-US"/>
+                      <a:pPr algn="ctr"/>
+                      <a:r>
+                        <a:rPr lang="en-US" altLang="zh-CN" dirty="0"/>
+                        <a:t>logs</a:t>
+                      </a:r>
+                      <a:endParaRPr lang="zh-CN" altLang="en-US" dirty="0"/>
                     </a:p>
                   </a:txBody>
-                  <a:tcPr/>
+                  <a:tcPr anchor="ctr"/>
                 </a:tc>
                 <a:tc>
                   <a:txBody>
                     <a:bodyPr/>
                     <a:lstStyle/>
                     <a:p>
-                      <a:endParaRPr lang="zh-CN" altLang="en-US"/>
+                      <a:r>
+                        <a:rPr lang="zh-CN" altLang="en-US" dirty="0"/>
+                        <a:t>日志目录，</a:t>
+                      </a:r>
+                      <a:r>
+                        <a:rPr lang="en-US" altLang="zh-CN" dirty="0" err="1"/>
+                        <a:t>nginx.pid</a:t>
+                      </a:r>
+                      <a:r>
+                        <a:rPr lang="zh-CN" altLang="en-US" dirty="0"/>
+                        <a:t>也在此目录，记录</a:t>
+                      </a:r>
+                      <a:r>
+                        <a:rPr lang="en-US" altLang="zh-CN" dirty="0" err="1"/>
+                        <a:t>nginx</a:t>
+                      </a:r>
+                      <a:r>
+                        <a:rPr lang="zh-CN" altLang="en-US" dirty="0"/>
+                        <a:t>进程的</a:t>
+                      </a:r>
+                      <a:r>
+                        <a:rPr lang="en-US" altLang="zh-CN" dirty="0"/>
+                        <a:t>PID</a:t>
+                      </a:r>
+                      <a:r>
+                        <a:rPr lang="zh-CN" altLang="en-US" dirty="0"/>
+                        <a:t>。</a:t>
+                      </a:r>
+                      <a:r>
+                        <a:rPr lang="en-US" altLang="zh-CN" dirty="0"/>
+                        <a:t>error.log</a:t>
+                      </a:r>
+                      <a:r>
+                        <a:rPr lang="zh-CN" altLang="en-US" dirty="0"/>
+                        <a:t>记录错误日志，</a:t>
+                      </a:r>
+                      <a:r>
+                        <a:rPr lang="en-US" altLang="zh-CN" dirty="0"/>
+                        <a:t>access.log</a:t>
+                      </a:r>
+                      <a:r>
+                        <a:rPr lang="zh-CN" altLang="en-US" dirty="0"/>
+                        <a:t>记录请求访问日志。</a:t>
+                      </a:r>
                     </a:p>
                   </a:txBody>
-                  <a:tcPr/>
+                  <a:tcPr anchor="ctr"/>
                 </a:tc>
                 <a:extLst>
                   <a:ext uri="{0D108BD9-81ED-4DB2-BD59-A6C34878D82A}">
                     <a16:rowId xmlns:a16="http://schemas.microsoft.com/office/drawing/2014/main" val="10003"/>
-                  </a:ext>
-                </a:extLst>
-              </a:tr>
-              <a:tr h="370840">
-                <a:tc>
-                  <a:txBody>
-                    <a:bodyPr/>
-                    <a:lstStyle/>
-                    <a:p>
-                      <a:endParaRPr lang="zh-CN" altLang="en-US"/>
-                    </a:p>
-                  </a:txBody>
-                  <a:tcPr/>
-                </a:tc>
-                <a:tc>
-                  <a:txBody>
-                    <a:bodyPr/>
-                    <a:lstStyle/>
-                    <a:p>
-                      <a:endParaRPr lang="zh-CN" altLang="en-US"/>
-                    </a:p>
-                  </a:txBody>
-                  <a:tcPr/>
-                </a:tc>
-                <a:extLst>
-                  <a:ext uri="{0D108BD9-81ED-4DB2-BD59-A6C34878D82A}">
-                    <a16:rowId xmlns:a16="http://schemas.microsoft.com/office/drawing/2014/main" val="10004"/>
-                  </a:ext>
-                </a:extLst>
-              </a:tr>
-              <a:tr h="370840">
-                <a:tc>
-                  <a:txBody>
-                    <a:bodyPr/>
-                    <a:lstStyle/>
-                    <a:p>
-                      <a:endParaRPr lang="zh-CN" altLang="en-US"/>
-                    </a:p>
-                  </a:txBody>
-                  <a:tcPr/>
-                </a:tc>
-                <a:tc>
-                  <a:txBody>
-                    <a:bodyPr/>
-                    <a:lstStyle/>
-                    <a:p>
-                      <a:endParaRPr lang="zh-CN" altLang="en-US"/>
-                    </a:p>
-                  </a:txBody>
-                  <a:tcPr/>
-                </a:tc>
-                <a:extLst>
-                  <a:ext uri="{0D108BD9-81ED-4DB2-BD59-A6C34878D82A}">
-                    <a16:rowId xmlns:a16="http://schemas.microsoft.com/office/drawing/2014/main" val="10005"/>
-                  </a:ext>
-                </a:extLst>
-              </a:tr>
-              <a:tr h="370840">
-                <a:tc>
-                  <a:txBody>
-                    <a:bodyPr/>
-                    <a:lstStyle/>
-                    <a:p>
-                      <a:endParaRPr lang="zh-CN" altLang="en-US"/>
-                    </a:p>
-                  </a:txBody>
-                  <a:tcPr/>
-                </a:tc>
-                <a:tc>
-                  <a:txBody>
-                    <a:bodyPr/>
-                    <a:lstStyle/>
-                    <a:p>
-                      <a:endParaRPr lang="zh-CN" altLang="en-US"/>
-                    </a:p>
-                  </a:txBody>
-                  <a:tcPr/>
-                </a:tc>
-                <a:extLst>
-                  <a:ext uri="{0D108BD9-81ED-4DB2-BD59-A6C34878D82A}">
-                    <a16:rowId xmlns:a16="http://schemas.microsoft.com/office/drawing/2014/main" val="10006"/>
-                  </a:ext>
-                </a:extLst>
-              </a:tr>
-              <a:tr h="370840">
-                <a:tc>
-                  <a:txBody>
-                    <a:bodyPr/>
-                    <a:lstStyle/>
-                    <a:p>
-                      <a:endParaRPr lang="zh-CN" altLang="en-US" dirty="0"/>
-                    </a:p>
-                  </a:txBody>
-                  <a:tcPr/>
-                </a:tc>
-                <a:tc>
-                  <a:txBody>
-                    <a:bodyPr/>
-                    <a:lstStyle/>
-                    <a:p>
-                      <a:endParaRPr lang="zh-CN" altLang="en-US" dirty="0"/>
-                    </a:p>
-                  </a:txBody>
-                  <a:tcPr/>
-                </a:tc>
-                <a:extLst>
-                  <a:ext uri="{0D108BD9-81ED-4DB2-BD59-A6C34878D82A}">
-                    <a16:rowId xmlns:a16="http://schemas.microsoft.com/office/drawing/2014/main" val="10007"/>
                   </a:ext>
                 </a:extLst>
               </a:tr>
@@ -6556,6 +6444,9 @@
             <a:endParaRPr lang="en-US" altLang="zh-CN" sz="2000" dirty="0"/>
           </a:p>
           <a:p>
+            <a:endParaRPr lang="en-US" altLang="zh-CN" sz="2000" dirty="0"/>
+          </a:p>
+          <a:p>
             <a:r>
               <a:rPr lang="zh-CN" altLang="en-US" sz="2000" dirty="0"/>
               <a:t>其中有一行配置</a:t>
@@ -6625,6 +6516,9 @@
             <a:endParaRPr lang="en-US" altLang="zh-CN" sz="2000" dirty="0"/>
           </a:p>
           <a:p>
+            <a:endParaRPr lang="en-US" altLang="zh-CN" sz="2000" dirty="0"/>
+          </a:p>
+          <a:p>
             <a:r>
               <a:rPr lang="zh-CN" altLang="en-US" sz="2000" dirty="0"/>
               <a:t>其他配置可参考</a:t>
@@ -6637,6 +6531,9 @@
               <a:rPr lang="zh-CN" altLang="en-US" sz="2000" dirty="0"/>
               <a:t>官方文档。</a:t>
             </a:r>
+            <a:endParaRPr lang="en-US" altLang="zh-CN" sz="2000" dirty="0"/>
+          </a:p>
+          <a:p>
             <a:endParaRPr lang="en-US" altLang="zh-CN" sz="2000" dirty="0"/>
           </a:p>
           <a:p>
@@ -6976,14 +6873,16 @@
             <a:endParaRPr lang="en-US" altLang="zh-CN" sz="1600" dirty="0"/>
           </a:p>
           <a:p>
-            <a:r>
-              <a:rPr lang="zh-CN" altLang="en-US" sz="2000"/>
-              <a:t>具体代码参考脚本文件</a:t>
-            </a:r>
+            <a:endParaRPr lang="en-US" altLang="zh-CN" sz="2000" dirty="0"/>
+          </a:p>
+          <a:p>
             <a:r>
               <a:rPr lang="zh-CN" altLang="en-US" sz="2000" dirty="0"/>
-              <a:t>。</a:t>
-            </a:r>
+              <a:t>具体代码参考脚本文件。</a:t>
+            </a:r>
+            <a:endParaRPr lang="en-US" altLang="zh-CN" sz="2000" dirty="0"/>
+          </a:p>
+          <a:p>
             <a:endParaRPr lang="en-US" altLang="zh-CN" sz="2000" dirty="0"/>
           </a:p>
           <a:p>
@@ -7217,39 +7116,39 @@
             </a:r>
             <a:r>
               <a:rPr lang="zh-CN" altLang="en-US" sz="2000" dirty="0"/>
-              <a:t>后面的是正则表达式，表明以</a:t>
+              <a:t>后面的是正则表达式，表明以请求</a:t>
             </a:r>
             <a:r>
               <a:rPr lang="en-US" altLang="zh-CN" sz="2000" dirty="0"/>
-              <a:t>.</a:t>
+              <a:t>URI</a:t>
+            </a:r>
+            <a:r>
+              <a:rPr lang="zh-CN" altLang="en-US" sz="2000" dirty="0"/>
+              <a:t>以</a:t>
+            </a:r>
+            <a:r>
+              <a:rPr lang="en-US" altLang="zh-CN" sz="2000" dirty="0" err="1"/>
+              <a:t>xxx.php</a:t>
+            </a:r>
+            <a:r>
+              <a:rPr lang="en-US" altLang="zh-CN" sz="2000" dirty="0"/>
+              <a:t>/</a:t>
+            </a:r>
+            <a:r>
+              <a:rPr lang="en-US" altLang="zh-CN" sz="2000" dirty="0" err="1"/>
+              <a:t>xxxx</a:t>
+            </a:r>
+            <a:r>
+              <a:rPr lang="zh-CN" altLang="en-US" sz="2000" dirty="0"/>
+              <a:t>这样的形式都会给</a:t>
             </a:r>
             <a:r>
               <a:rPr lang="en-US" altLang="zh-CN" sz="2000" dirty="0" err="1"/>
               <a:t>php</a:t>
             </a:r>
             <a:r>
-              <a:rPr lang="zh-CN" altLang="en-US" sz="2000" dirty="0"/>
-              <a:t>结尾的或是</a:t>
-            </a:r>
-            <a:r>
               <a:rPr lang="en-US" altLang="zh-CN" sz="2000" dirty="0"/>
-              <a:t>.php5</a:t>
-            </a:r>
-            <a:r>
-              <a:rPr lang="zh-CN" altLang="en-US" sz="2000" dirty="0"/>
-              <a:t>，</a:t>
-            </a:r>
-            <a:r>
-              <a:rPr lang="en-US" altLang="zh-CN" sz="2000" dirty="0"/>
-              <a:t>.php7</a:t>
-            </a:r>
-            <a:r>
-              <a:rPr lang="zh-CN" altLang="en-US" sz="2000" dirty="0"/>
-              <a:t>结尾的路径请求交给</a:t>
-            </a:r>
-            <a:r>
-              <a:rPr lang="en-US" altLang="zh-CN" sz="2000" dirty="0"/>
-              <a:t>PHP-FPM</a:t>
+              <a:t>-fpm</a:t>
             </a:r>
             <a:r>
               <a:rPr lang="zh-CN" altLang="en-US" sz="2000" dirty="0"/>
@@ -7436,9 +7335,16 @@
             <a:endParaRPr lang="en-US" altLang="zh-CN" sz="2000" dirty="0"/>
           </a:p>
           <a:p>
+            <a:endParaRPr lang="en-US" altLang="zh-CN" sz="2000"/>
+          </a:p>
+          <a:p>
+            <a:r>
+              <a:rPr lang="zh-CN" altLang="en-US" sz="2000"/>
+              <a:t>支持</a:t>
+            </a:r>
             <a:r>
               <a:rPr lang="zh-CN" altLang="en-US" sz="2000" dirty="0"/>
-              <a:t>支持的参数：</a:t>
+              <a:t>的参数：</a:t>
             </a:r>
             <a:r>
               <a:rPr lang="en-US" altLang="zh-CN" sz="2000" dirty="0"/>
@@ -7634,6 +7540,9 @@
               <a:t>参数</a:t>
             </a:r>
             <a:endParaRPr lang="en-US" altLang="zh-CN" sz="1800" dirty="0"/>
+          </a:p>
+          <a:p>
+            <a:endParaRPr lang="en-US" altLang="zh-CN" sz="2000" dirty="0"/>
           </a:p>
           <a:p>
             <a:r>
@@ -8432,6 +8341,9 @@
             <a:endParaRPr lang="en-US" altLang="zh-CN" sz="2000" dirty="0"/>
           </a:p>
           <a:p>
+            <a:endParaRPr lang="en-US" altLang="zh-CN" sz="2000" dirty="0"/>
+          </a:p>
+          <a:p>
             <a:r>
               <a:rPr lang="zh-CN" altLang="en-US" sz="2000" dirty="0"/>
               <a:t>目前</a:t>
@@ -8463,6 +8375,9 @@
             <a:endParaRPr lang="en-US" altLang="zh-CN" sz="2000" dirty="0"/>
           </a:p>
           <a:p>
+            <a:endParaRPr lang="en-US" altLang="zh-CN" sz="2000" dirty="0"/>
+          </a:p>
+          <a:p>
             <a:r>
               <a:rPr lang="en-US" altLang="zh-CN" sz="2000" dirty="0"/>
               <a:t>Nginx</a:t>
@@ -8474,6 +8389,9 @@
             <a:endParaRPr lang="en-US" altLang="zh-CN" sz="2000" dirty="0"/>
           </a:p>
           <a:p>
+            <a:endParaRPr lang="en-US" altLang="zh-CN" sz="2000" dirty="0"/>
+          </a:p>
+          <a:p>
             <a:r>
               <a:rPr lang="en-US" altLang="zh-CN" sz="2000" dirty="0"/>
               <a:t>Nginx</a:t>
@@ -8482,6 +8400,9 @@
               <a:rPr lang="zh-CN" altLang="en-US" sz="2000" dirty="0"/>
               <a:t>轻量级，高效，功能强大。</a:t>
             </a:r>
+            <a:endParaRPr lang="en-US" altLang="zh-CN" sz="2000" dirty="0"/>
+          </a:p>
+          <a:p>
             <a:endParaRPr lang="en-US" altLang="zh-CN" sz="2000" dirty="0"/>
           </a:p>
           <a:p>

--- a/materials/slides/ch03-lnmp-basic.pptx
+++ b/materials/slides/ch03-lnmp-basic.pptx
@@ -232,7 +232,7 @@
           <a:p>
             <a:fld id="{E923E828-953C-4D4A-9B10-11E7329F433D}" type="datetimeFigureOut">
               <a:rPr lang="zh-CN" altLang="en-US" smtClean="0"/>
-              <a:t>2018/2/28</a:t>
+              <a:t>2018/3/14</a:t>
             </a:fld>
             <a:endParaRPr lang="zh-CN" altLang="en-US"/>
           </a:p>
@@ -413,7 +413,7 @@
           <a:p>
             <a:fld id="{867C5346-22E5-4085-8130-851344A84DFF}" type="datetimeFigureOut">
               <a:rPr lang="zh-CN" altLang="en-US" smtClean="0"/>
-              <a:t>2018/2/28</a:t>
+              <a:t>2018/3/14</a:t>
             </a:fld>
             <a:endParaRPr lang="zh-CN" altLang="en-US"/>
           </a:p>
@@ -1511,7 +1511,7 @@
           <a:p>
             <a:fld id="{A5E21016-498F-4141-B0CA-D95A38CA7D62}" type="datetimeFigureOut">
               <a:rPr lang="zh-CN" altLang="en-US" smtClean="0"/>
-              <a:t>2018/2/28</a:t>
+              <a:t>2018/3/14</a:t>
             </a:fld>
             <a:endParaRPr lang="zh-CN" altLang="en-US"/>
           </a:p>
@@ -1741,7 +1741,7 @@
           <a:p>
             <a:fld id="{A5E21016-498F-4141-B0CA-D95A38CA7D62}" type="datetimeFigureOut">
               <a:rPr lang="zh-CN" altLang="en-US" smtClean="0"/>
-              <a:t>2018/2/28</a:t>
+              <a:t>2018/3/14</a:t>
             </a:fld>
             <a:endParaRPr lang="zh-CN" altLang="en-US"/>
           </a:p>
@@ -1976,7 +1976,7 @@
           <a:p>
             <a:fld id="{A5E21016-498F-4141-B0CA-D95A38CA7D62}" type="datetimeFigureOut">
               <a:rPr lang="zh-CN" altLang="en-US" smtClean="0"/>
-              <a:t>2018/2/28</a:t>
+              <a:t>2018/3/14</a:t>
             </a:fld>
             <a:endParaRPr lang="zh-CN" altLang="en-US"/>
           </a:p>
@@ -2538,7 +2538,7 @@
           <a:p>
             <a:fld id="{A5E21016-498F-4141-B0CA-D95A38CA7D62}" type="datetimeFigureOut">
               <a:rPr lang="zh-CN" altLang="en-US" smtClean="0"/>
-              <a:t>2018/2/28</a:t>
+              <a:t>2018/3/14</a:t>
             </a:fld>
             <a:endParaRPr lang="zh-CN" altLang="en-US"/>
           </a:p>
@@ -2835,7 +2835,7 @@
           <a:p>
             <a:fld id="{A5E21016-498F-4141-B0CA-D95A38CA7D62}" type="datetimeFigureOut">
               <a:rPr lang="zh-CN" altLang="en-US" smtClean="0"/>
-              <a:t>2018/2/28</a:t>
+              <a:t>2018/3/14</a:t>
             </a:fld>
             <a:endParaRPr lang="zh-CN" altLang="en-US"/>
           </a:p>
@@ -3274,7 +3274,7 @@
           <a:p>
             <a:fld id="{A5E21016-498F-4141-B0CA-D95A38CA7D62}" type="datetimeFigureOut">
               <a:rPr lang="zh-CN" altLang="en-US" smtClean="0"/>
-              <a:t>2018/2/28</a:t>
+              <a:t>2018/3/14</a:t>
             </a:fld>
             <a:endParaRPr lang="zh-CN" altLang="en-US"/>
           </a:p>
@@ -3447,7 +3447,7 @@
           <a:p>
             <a:fld id="{A5E21016-498F-4141-B0CA-D95A38CA7D62}" type="datetimeFigureOut">
               <a:rPr lang="zh-CN" altLang="en-US" smtClean="0"/>
-              <a:t>2018/2/28</a:t>
+              <a:t>2018/3/14</a:t>
             </a:fld>
             <a:endParaRPr lang="zh-CN" altLang="en-US"/>
           </a:p>
@@ -3584,7 +3584,7 @@
           <a:p>
             <a:fld id="{A5E21016-498F-4141-B0CA-D95A38CA7D62}" type="datetimeFigureOut">
               <a:rPr lang="zh-CN" altLang="en-US" smtClean="0"/>
-              <a:t>2018/2/28</a:t>
+              <a:t>2018/3/14</a:t>
             </a:fld>
             <a:endParaRPr lang="zh-CN" altLang="en-US"/>
           </a:p>
@@ -3922,7 +3922,7 @@
           <a:p>
             <a:fld id="{A5E21016-498F-4141-B0CA-D95A38CA7D62}" type="datetimeFigureOut">
               <a:rPr lang="zh-CN" altLang="en-US" smtClean="0"/>
-              <a:t>2018/2/28</a:t>
+              <a:t>2018/3/14</a:t>
             </a:fld>
             <a:endParaRPr lang="zh-CN" altLang="en-US"/>
           </a:p>
@@ -4237,7 +4237,7 @@
           <a:p>
             <a:fld id="{A5E21016-498F-4141-B0CA-D95A38CA7D62}" type="datetimeFigureOut">
               <a:rPr lang="zh-CN" altLang="en-US" smtClean="0"/>
-              <a:t>2018/2/28</a:t>
+              <a:t>2018/3/14</a:t>
             </a:fld>
             <a:endParaRPr lang="zh-CN" altLang="en-US"/>
           </a:p>
@@ -5065,47 +5065,47 @@
             <a:pPr marL="0" indent="0">
               <a:buNone/>
             </a:pPr>
-            <a:endParaRPr lang="en-US" altLang="zh-CN" sz="2000" dirty="0"/>
-          </a:p>
-          <a:p>
-            <a:r>
-              <a:rPr lang="en-US" altLang="zh-CN" sz="2000" dirty="0"/>
+            <a:endParaRPr lang="en-US" altLang="zh-CN" sz="2400" dirty="0"/>
+          </a:p>
+          <a:p>
+            <a:r>
+              <a:rPr lang="en-US" altLang="zh-CN" sz="2400" dirty="0"/>
               <a:t>http://nginx.org</a:t>
             </a:r>
           </a:p>
           <a:p>
             <a:r>
-              <a:rPr lang="en-US" altLang="zh-CN" sz="2000" dirty="0"/>
+              <a:rPr lang="en-US" altLang="zh-CN" sz="2400" dirty="0"/>
               <a:t>mainline</a:t>
             </a:r>
             <a:r>
-              <a:rPr lang="zh-CN" altLang="en-US" sz="2000" dirty="0"/>
+              <a:rPr lang="zh-CN" altLang="en-US" sz="2400" dirty="0"/>
               <a:t>是当前主要开发版本，</a:t>
             </a:r>
             <a:r>
-              <a:rPr lang="en-US" altLang="zh-CN" sz="2000" dirty="0"/>
+              <a:rPr lang="en-US" altLang="zh-CN" sz="2400" dirty="0"/>
               <a:t>stable</a:t>
             </a:r>
             <a:r>
-              <a:rPr lang="zh-CN" altLang="en-US" sz="2000" dirty="0"/>
+              <a:rPr lang="zh-CN" altLang="en-US" sz="2400" dirty="0"/>
               <a:t>是稳定版本。</a:t>
             </a:r>
-            <a:endParaRPr lang="en-US" altLang="zh-CN" sz="2000" dirty="0"/>
-          </a:p>
-          <a:p>
-            <a:r>
-              <a:rPr lang="zh-CN" altLang="en-US" sz="2000" dirty="0"/>
+            <a:endParaRPr lang="en-US" altLang="zh-CN" sz="2400" dirty="0"/>
+          </a:p>
+          <a:p>
+            <a:r>
+              <a:rPr lang="zh-CN" altLang="en-US" sz="2400" dirty="0"/>
               <a:t>下载最新的</a:t>
             </a:r>
             <a:r>
-              <a:rPr lang="en-US" altLang="zh-CN" sz="2000" dirty="0"/>
+              <a:rPr lang="en-US" altLang="zh-CN" sz="2400" dirty="0"/>
               <a:t>stable</a:t>
             </a:r>
             <a:r>
-              <a:rPr lang="zh-CN" altLang="en-US" sz="2000" dirty="0"/>
+              <a:rPr lang="zh-CN" altLang="en-US" sz="2400" dirty="0"/>
               <a:t>版本。</a:t>
             </a:r>
-            <a:endParaRPr lang="en-US" altLang="zh-CN" sz="2000" dirty="0"/>
+            <a:endParaRPr lang="en-US" altLang="zh-CN" sz="2400" dirty="0"/>
           </a:p>
         </p:txBody>
       </p:sp>
@@ -5188,14 +5188,14 @@
             <p:ph idx="1"/>
             <p:extLst>
               <p:ext uri="{D42A27DB-BD31-4B8C-83A1-F6EECF244321}">
-                <p14:modId xmlns:p14="http://schemas.microsoft.com/office/powerpoint/2010/main" val="1742208748"/>
+                <p14:modId xmlns:p14="http://schemas.microsoft.com/office/powerpoint/2010/main" val="2082986676"/>
               </p:ext>
             </p:extLst>
           </p:nvPr>
         </p:nvGraphicFramePr>
         <p:xfrm>
           <a:off x="870012" y="1660122"/>
-          <a:ext cx="10483788" cy="5015889"/>
+          <a:ext cx="10483788" cy="4828599"/>
         </p:xfrm>
         <a:graphic>
           <a:graphicData uri="http://schemas.openxmlformats.org/drawingml/2006/table">
@@ -5219,7 +5219,7 @@
                   </a:extLst>
                 </a:gridCol>
               </a:tblGrid>
-              <a:tr h="557321">
+              <a:tr h="536511">
                 <a:tc>
                   <a:txBody>
                     <a:bodyPr/>
@@ -5227,15 +5227,15 @@
                     <a:p>
                       <a:pPr algn="ctr"/>
                       <a:r>
-                        <a:rPr lang="zh-CN" altLang="en-US" b="1" dirty="0"/>
+                        <a:rPr lang="zh-CN" altLang="en-US" sz="2000" b="1" dirty="0"/>
                         <a:t>目录</a:t>
                       </a:r>
                       <a:r>
-                        <a:rPr lang="en-US" altLang="zh-CN" b="1" dirty="0"/>
+                        <a:rPr lang="en-US" altLang="zh-CN" sz="2000" b="1" dirty="0"/>
                         <a:t>/</a:t>
                       </a:r>
                       <a:r>
-                        <a:rPr lang="zh-CN" altLang="en-US" b="1" dirty="0"/>
+                        <a:rPr lang="zh-CN" altLang="en-US" sz="2000" b="1" dirty="0"/>
                         <a:t>文件</a:t>
                       </a:r>
                     </a:p>
@@ -5249,7 +5249,7 @@
                     <a:p>
                       <a:pPr algn="ctr"/>
                       <a:r>
-                        <a:rPr lang="zh-CN" altLang="en-US" b="1" dirty="0"/>
+                        <a:rPr lang="zh-CN" altLang="en-US" sz="2000" b="1" dirty="0"/>
                         <a:t>说明</a:t>
                       </a:r>
                     </a:p>
@@ -5262,7 +5262,7 @@
                   </a:ext>
                 </a:extLst>
               </a:tr>
-              <a:tr h="557321">
+              <a:tr h="536511">
                 <a:tc>
                   <a:txBody>
                     <a:bodyPr/>
@@ -5270,10 +5270,10 @@
                     <a:p>
                       <a:pPr algn="ctr"/>
                       <a:r>
-                        <a:rPr lang="en-US" altLang="zh-CN" dirty="0"/>
+                        <a:rPr lang="en-US" altLang="zh-CN" sz="2000" dirty="0"/>
                         <a:t>configure</a:t>
                       </a:r>
-                      <a:endParaRPr lang="zh-CN" altLang="en-US" dirty="0"/>
+                      <a:endParaRPr lang="zh-CN" altLang="en-US" sz="2000" dirty="0"/>
                     </a:p>
                   </a:txBody>
                   <a:tcPr anchor="ctr"/>
@@ -5285,7 +5285,7 @@
                     <a:p>
                       <a:pPr algn="l"/>
                       <a:r>
-                        <a:rPr lang="zh-CN" altLang="en-US" dirty="0"/>
+                        <a:rPr lang="zh-CN" altLang="en-US" sz="2000" dirty="0"/>
                         <a:t>编译初始化配置脚本</a:t>
                       </a:r>
                     </a:p>
@@ -5298,7 +5298,7 @@
                   </a:ext>
                 </a:extLst>
               </a:tr>
-              <a:tr h="557321">
+              <a:tr h="536511">
                 <a:tc>
                   <a:txBody>
                     <a:bodyPr/>
@@ -5306,10 +5306,10 @@
                     <a:p>
                       <a:pPr algn="ctr"/>
                       <a:r>
-                        <a:rPr lang="en-US" altLang="zh-CN" dirty="0" err="1"/>
+                        <a:rPr lang="en-US" altLang="zh-CN" sz="2000" dirty="0" err="1"/>
                         <a:t>src</a:t>
                       </a:r>
-                      <a:endParaRPr lang="zh-CN" altLang="en-US" dirty="0"/>
+                      <a:endParaRPr lang="zh-CN" altLang="en-US" sz="2000" dirty="0"/>
                     </a:p>
                   </a:txBody>
                   <a:tcPr anchor="ctr"/>
@@ -5321,7 +5321,7 @@
                     <a:p>
                       <a:pPr algn="l"/>
                       <a:r>
-                        <a:rPr lang="zh-CN" altLang="en-US" dirty="0"/>
+                        <a:rPr lang="zh-CN" altLang="en-US" sz="2000" dirty="0"/>
                         <a:t>源代码</a:t>
                       </a:r>
                     </a:p>
@@ -5334,7 +5334,7 @@
                   </a:ext>
                 </a:extLst>
               </a:tr>
-              <a:tr h="557321">
+              <a:tr h="536511">
                 <a:tc>
                   <a:txBody>
                     <a:bodyPr/>
@@ -5342,14 +5342,14 @@
                     <a:p>
                       <a:pPr algn="ctr"/>
                       <a:r>
-                        <a:rPr lang="en-US" altLang="zh-CN" dirty="0" err="1"/>
+                        <a:rPr lang="en-US" altLang="zh-CN" sz="2000" dirty="0" err="1"/>
                         <a:t>src</a:t>
                       </a:r>
                       <a:r>
-                        <a:rPr lang="en-US" altLang="zh-CN" dirty="0"/>
+                        <a:rPr lang="en-US" altLang="zh-CN" sz="2000" dirty="0"/>
                         <a:t>/core</a:t>
                       </a:r>
-                      <a:endParaRPr lang="zh-CN" altLang="en-US" dirty="0"/>
+                      <a:endParaRPr lang="zh-CN" altLang="en-US" sz="2000" dirty="0"/>
                     </a:p>
                   </a:txBody>
                   <a:tcPr anchor="ctr"/>
@@ -5361,11 +5361,11 @@
                     <a:p>
                       <a:pPr algn="l"/>
                       <a:r>
-                        <a:rPr lang="en-US" altLang="zh-CN" dirty="0"/>
+                        <a:rPr lang="en-US" altLang="zh-CN" sz="2000" dirty="0"/>
                         <a:t>Nginx</a:t>
                       </a:r>
                       <a:r>
-                        <a:rPr lang="zh-CN" altLang="en-US" dirty="0"/>
+                        <a:rPr lang="zh-CN" altLang="en-US" sz="2000" dirty="0"/>
                         <a:t>核心功能实现</a:t>
                       </a:r>
                     </a:p>
@@ -5378,7 +5378,7 @@
                   </a:ext>
                 </a:extLst>
               </a:tr>
-              <a:tr h="557321">
+              <a:tr h="536511">
                 <a:tc>
                   <a:txBody>
                     <a:bodyPr/>
@@ -5386,14 +5386,14 @@
                     <a:p>
                       <a:pPr algn="ctr"/>
                       <a:r>
-                        <a:rPr lang="en-US" altLang="zh-CN" dirty="0" err="1"/>
+                        <a:rPr lang="en-US" altLang="zh-CN" sz="2000" dirty="0" err="1"/>
                         <a:t>src</a:t>
                       </a:r>
                       <a:r>
-                        <a:rPr lang="en-US" altLang="zh-CN" dirty="0"/>
+                        <a:rPr lang="en-US" altLang="zh-CN" sz="2000" dirty="0"/>
                         <a:t>/event</a:t>
                       </a:r>
-                      <a:endParaRPr lang="zh-CN" altLang="en-US" dirty="0"/>
+                      <a:endParaRPr lang="zh-CN" altLang="en-US" sz="2000" dirty="0"/>
                     </a:p>
                   </a:txBody>
                   <a:tcPr anchor="ctr"/>
@@ -5405,11 +5405,11 @@
                     <a:p>
                       <a:pPr algn="l"/>
                       <a:r>
-                        <a:rPr lang="en-US" altLang="zh-CN" dirty="0"/>
+                        <a:rPr lang="en-US" altLang="zh-CN" sz="2000" dirty="0"/>
                         <a:t>Nginx</a:t>
                       </a:r>
                       <a:r>
-                        <a:rPr lang="zh-CN" altLang="en-US" dirty="0"/>
+                        <a:rPr lang="zh-CN" altLang="en-US" sz="2000" dirty="0"/>
                         <a:t>事件支持实现</a:t>
                       </a:r>
                     </a:p>
@@ -5422,7 +5422,7 @@
                   </a:ext>
                 </a:extLst>
               </a:tr>
-              <a:tr h="557321">
+              <a:tr h="536511">
                 <a:tc>
                   <a:txBody>
                     <a:bodyPr/>
@@ -5430,14 +5430,14 @@
                     <a:p>
                       <a:pPr algn="ctr"/>
                       <a:r>
-                        <a:rPr lang="en-US" altLang="zh-CN" dirty="0" err="1"/>
+                        <a:rPr lang="en-US" altLang="zh-CN" sz="2000" dirty="0" err="1"/>
                         <a:t>src</a:t>
                       </a:r>
                       <a:r>
-                        <a:rPr lang="en-US" altLang="zh-CN" dirty="0"/>
+                        <a:rPr lang="en-US" altLang="zh-CN" sz="2000" dirty="0"/>
                         <a:t>/http</a:t>
                       </a:r>
-                      <a:endParaRPr lang="zh-CN" altLang="en-US" dirty="0"/>
+                      <a:endParaRPr lang="zh-CN" altLang="en-US" sz="2000" dirty="0"/>
                     </a:p>
                   </a:txBody>
                   <a:tcPr anchor="ctr"/>
@@ -5449,11 +5449,11 @@
                     <a:p>
                       <a:pPr algn="l"/>
                       <a:r>
-                        <a:rPr lang="en-US" altLang="zh-CN" dirty="0"/>
+                        <a:rPr lang="en-US" altLang="zh-CN" sz="2000" dirty="0"/>
                         <a:t>http</a:t>
                       </a:r>
                       <a:r>
-                        <a:rPr lang="zh-CN" altLang="en-US" dirty="0"/>
+                        <a:rPr lang="zh-CN" altLang="en-US" sz="2000" dirty="0"/>
                         <a:t>协议实现</a:t>
                       </a:r>
                     </a:p>
@@ -5466,7 +5466,7 @@
                   </a:ext>
                 </a:extLst>
               </a:tr>
-              <a:tr h="557321">
+              <a:tr h="536511">
                 <a:tc>
                   <a:txBody>
                     <a:bodyPr/>
@@ -5474,14 +5474,14 @@
                     <a:p>
                       <a:pPr algn="ctr"/>
                       <a:r>
-                        <a:rPr lang="en-US" altLang="zh-CN" dirty="0" err="1"/>
+                        <a:rPr lang="en-US" altLang="zh-CN" sz="2000" dirty="0" err="1"/>
                         <a:t>src</a:t>
                       </a:r>
                       <a:r>
-                        <a:rPr lang="en-US" altLang="zh-CN" dirty="0"/>
+                        <a:rPr lang="en-US" altLang="zh-CN" sz="2000" dirty="0"/>
                         <a:t>/stream</a:t>
                       </a:r>
-                      <a:endParaRPr lang="zh-CN" altLang="en-US" dirty="0"/>
+                      <a:endParaRPr lang="zh-CN" altLang="en-US" sz="2000" dirty="0"/>
                     </a:p>
                   </a:txBody>
                   <a:tcPr anchor="ctr"/>
@@ -5493,19 +5493,19 @@
                     <a:p>
                       <a:pPr algn="l"/>
                       <a:r>
-                        <a:rPr lang="en-US" altLang="zh-CN" dirty="0"/>
+                        <a:rPr lang="en-US" altLang="zh-CN" sz="2000" dirty="0"/>
                         <a:t>1.9</a:t>
                       </a:r>
                       <a:r>
-                        <a:rPr lang="zh-CN" altLang="en-US" dirty="0"/>
+                        <a:rPr lang="zh-CN" altLang="en-US" sz="2000" dirty="0"/>
                         <a:t>版本以后加入的模块，实现</a:t>
                       </a:r>
                       <a:r>
-                        <a:rPr lang="en-US" altLang="zh-CN" dirty="0"/>
+                        <a:rPr lang="en-US" altLang="zh-CN" sz="2000" dirty="0"/>
                         <a:t>TCP</a:t>
                       </a:r>
                       <a:r>
-                        <a:rPr lang="zh-CN" altLang="en-US" dirty="0"/>
+                        <a:rPr lang="zh-CN" altLang="en-US" sz="2000" dirty="0"/>
                         <a:t>的代理和负载均衡</a:t>
                       </a:r>
                     </a:p>
@@ -5518,7 +5518,7 @@
                   </a:ext>
                 </a:extLst>
               </a:tr>
-              <a:tr h="557321">
+              <a:tr h="536511">
                 <a:tc>
                   <a:txBody>
                     <a:bodyPr/>
@@ -5526,14 +5526,14 @@
                     <a:p>
                       <a:pPr algn="ctr"/>
                       <a:r>
-                        <a:rPr lang="en-US" altLang="zh-CN" dirty="0" err="1"/>
+                        <a:rPr lang="en-US" altLang="zh-CN" sz="2000" dirty="0" err="1"/>
                         <a:t>src</a:t>
                       </a:r>
                       <a:r>
-                        <a:rPr lang="en-US" altLang="zh-CN" dirty="0"/>
+                        <a:rPr lang="en-US" altLang="zh-CN" sz="2000" dirty="0"/>
                         <a:t>/http/v2</a:t>
                       </a:r>
-                      <a:endParaRPr lang="zh-CN" altLang="en-US" dirty="0"/>
+                      <a:endParaRPr lang="zh-CN" altLang="en-US" sz="2000" dirty="0"/>
                     </a:p>
                   </a:txBody>
                   <a:tcPr anchor="ctr"/>
@@ -5545,11 +5545,11 @@
                     <a:p>
                       <a:pPr algn="l"/>
                       <a:r>
-                        <a:rPr lang="en-US" altLang="zh-CN" dirty="0"/>
+                        <a:rPr lang="en-US" altLang="zh-CN" sz="2000" dirty="0"/>
                         <a:t>HTTP2</a:t>
                       </a:r>
                       <a:r>
-                        <a:rPr lang="zh-CN" altLang="en-US" dirty="0"/>
+                        <a:rPr lang="zh-CN" altLang="en-US" sz="2000" dirty="0"/>
                         <a:t>协议的实现</a:t>
                       </a:r>
                     </a:p>
@@ -5562,7 +5562,7 @@
                   </a:ext>
                 </a:extLst>
               </a:tr>
-              <a:tr h="557321">
+              <a:tr h="536511">
                 <a:tc>
                   <a:txBody>
                     <a:bodyPr/>
@@ -5570,14 +5570,14 @@
                     <a:p>
                       <a:pPr algn="ctr"/>
                       <a:r>
-                        <a:rPr lang="en-US" altLang="zh-CN" dirty="0" err="1"/>
+                        <a:rPr lang="en-US" altLang="zh-CN" sz="2000" dirty="0" err="1"/>
                         <a:t>src</a:t>
                       </a:r>
                       <a:r>
-                        <a:rPr lang="en-US" altLang="zh-CN" dirty="0"/>
+                        <a:rPr lang="en-US" altLang="zh-CN" sz="2000" dirty="0"/>
                         <a:t>/http/modules</a:t>
                       </a:r>
-                      <a:endParaRPr lang="zh-CN" altLang="en-US" dirty="0"/>
+                      <a:endParaRPr lang="zh-CN" altLang="en-US" sz="2000" dirty="0"/>
                     </a:p>
                   </a:txBody>
                   <a:tcPr anchor="ctr"/>
@@ -5589,11 +5589,11 @@
                     <a:p>
                       <a:pPr algn="l"/>
                       <a:r>
-                        <a:rPr lang="en-US" altLang="zh-CN" dirty="0"/>
+                        <a:rPr lang="en-US" altLang="zh-CN" sz="2000" dirty="0"/>
                         <a:t>http</a:t>
                       </a:r>
                       <a:r>
-                        <a:rPr lang="zh-CN" altLang="en-US" dirty="0"/>
+                        <a:rPr lang="zh-CN" altLang="en-US" sz="2000" dirty="0"/>
                         <a:t>功能模块实现</a:t>
                       </a:r>
                     </a:p>
@@ -5707,118 +5707,121 @@
           <a:lstStyle/>
           <a:p>
             <a:r>
-              <a:rPr lang="zh-CN" altLang="en-US" sz="2000" dirty="0"/>
+              <a:rPr lang="zh-CN" altLang="en-US" sz="2400" dirty="0"/>
               <a:t>脚本初始化：</a:t>
             </a:r>
-            <a:endParaRPr lang="en-US" altLang="zh-CN" sz="2000" dirty="0"/>
+            <a:endParaRPr lang="en-US" altLang="zh-CN" sz="2400" dirty="0"/>
           </a:p>
           <a:p>
             <a:pPr marL="457200" lvl="1" indent="0">
               <a:buNone/>
             </a:pPr>
             <a:r>
-              <a:rPr lang="en-US" altLang="zh-CN" sz="1600" dirty="0"/>
+              <a:rPr lang="en-US" altLang="zh-CN" sz="2000" dirty="0"/>
               <a:t>./configure --prefix=/</a:t>
             </a:r>
             <a:r>
-              <a:rPr lang="en-US" altLang="zh-CN" sz="1600" dirty="0" err="1"/>
+              <a:rPr lang="en-US" altLang="zh-CN" sz="2000" dirty="0" err="1"/>
               <a:t>webrun</a:t>
             </a:r>
             <a:r>
-              <a:rPr lang="en-US" altLang="zh-CN" sz="1600" dirty="0"/>
+              <a:rPr lang="en-US" altLang="zh-CN" sz="2000" dirty="0"/>
               <a:t>/nginx1122 --with-</a:t>
             </a:r>
             <a:r>
-              <a:rPr lang="en-US" altLang="zh-CN" sz="1600" dirty="0" err="1"/>
+              <a:rPr lang="en-US" altLang="zh-CN" sz="2000" dirty="0" err="1"/>
               <a:t>http_gunzip_module</a:t>
             </a:r>
             <a:r>
-              <a:rPr lang="en-US" altLang="zh-CN" sz="1600" dirty="0"/>
+              <a:rPr lang="en-US" altLang="zh-CN" sz="2000" dirty="0"/>
               <a:t> --with-</a:t>
             </a:r>
             <a:r>
-              <a:rPr lang="en-US" altLang="zh-CN" sz="1600" dirty="0" err="1"/>
+              <a:rPr lang="en-US" altLang="zh-CN" sz="2000" dirty="0" err="1"/>
               <a:t>http_ssl_module</a:t>
             </a:r>
             <a:r>
-              <a:rPr lang="en-US" altLang="zh-CN" sz="1600" dirty="0"/>
+              <a:rPr lang="en-US" altLang="zh-CN" sz="2000" dirty="0"/>
               <a:t> --with-http_v2_module --with-</a:t>
             </a:r>
             <a:r>
-              <a:rPr lang="en-US" altLang="zh-CN" sz="1600" dirty="0" err="1"/>
+              <a:rPr lang="en-US" altLang="zh-CN" sz="2000" dirty="0" err="1"/>
               <a:t>openssl</a:t>
             </a:r>
             <a:r>
-              <a:rPr lang="en-US" altLang="zh-CN" sz="1600" dirty="0"/>
-              <a:t>=../openssl-110g --with-</a:t>
-            </a:r>
-            <a:r>
-              <a:rPr lang="en-US" altLang="zh-CN" sz="1600" dirty="0" err="1"/>
+              <a:rPr lang="en-US" altLang="zh-CN" sz="2000" dirty="0"/>
+              <a:t>=../openssl-1.1.0f --with-</a:t>
+            </a:r>
+            <a:r>
+              <a:rPr lang="en-US" altLang="zh-CN" sz="2000" dirty="0" err="1"/>
               <a:t>pcre</a:t>
             </a:r>
             <a:r>
-              <a:rPr lang="en-US" altLang="zh-CN" sz="1600" dirty="0"/>
+              <a:rPr lang="en-US" altLang="zh-CN" sz="2000" dirty="0"/>
               <a:t>=../pcre-8.41 --with-</a:t>
             </a:r>
             <a:r>
-              <a:rPr lang="en-US" altLang="zh-CN" sz="1600" dirty="0" err="1"/>
+              <a:rPr lang="en-US" altLang="zh-CN" sz="2000" dirty="0" err="1"/>
               <a:t>http_gzip_static_module</a:t>
             </a:r>
             <a:r>
-              <a:rPr lang="en-US" altLang="zh-CN" sz="1600" dirty="0"/>
+              <a:rPr lang="en-US" altLang="zh-CN" sz="2000" dirty="0"/>
               <a:t> --with-</a:t>
             </a:r>
             <a:r>
-              <a:rPr lang="en-US" altLang="zh-CN" sz="1600" dirty="0" err="1"/>
+              <a:rPr lang="en-US" altLang="zh-CN" sz="2000" dirty="0" err="1"/>
               <a:t>http_auth_request_module</a:t>
             </a:r>
             <a:r>
-              <a:rPr lang="en-US" altLang="zh-CN" sz="1600" dirty="0"/>
+              <a:rPr lang="en-US" altLang="zh-CN" sz="2000" dirty="0"/>
               <a:t> --with-</a:t>
             </a:r>
             <a:r>
-              <a:rPr lang="en-US" altLang="zh-CN" sz="1600" dirty="0" err="1"/>
+              <a:rPr lang="en-US" altLang="zh-CN" sz="2000" dirty="0" err="1"/>
               <a:t>http_secure_link_module</a:t>
             </a:r>
             <a:r>
-              <a:rPr lang="en-US" altLang="zh-CN" sz="1600" dirty="0"/>
+              <a:rPr lang="en-US" altLang="zh-CN" sz="2000" dirty="0"/>
               <a:t> --with-</a:t>
             </a:r>
             <a:r>
-              <a:rPr lang="en-US" altLang="zh-CN" sz="1600" dirty="0" err="1"/>
+              <a:rPr lang="en-US" altLang="zh-CN" sz="2000" dirty="0" err="1"/>
               <a:t>http_image_filter_module</a:t>
             </a:r>
             <a:r>
-              <a:rPr lang="en-US" altLang="zh-CN" sz="1600" dirty="0"/>
+              <a:rPr lang="en-US" altLang="zh-CN" sz="2000" dirty="0"/>
               <a:t> --with-http_mp4_module --with-stream --with-</a:t>
             </a:r>
             <a:r>
-              <a:rPr lang="en-US" altLang="zh-CN" sz="1600" dirty="0" err="1"/>
+              <a:rPr lang="en-US" altLang="zh-CN" sz="2000" dirty="0" err="1"/>
               <a:t>stream_ssl_module</a:t>
             </a:r>
             <a:r>
-              <a:rPr lang="en-US" altLang="zh-CN" sz="1600" dirty="0"/>
+              <a:rPr lang="en-US" altLang="zh-CN" sz="2000" dirty="0"/>
               <a:t> –with-</a:t>
             </a:r>
             <a:r>
-              <a:rPr lang="en-US" altLang="zh-CN" sz="1600" dirty="0" err="1"/>
+              <a:rPr lang="en-US" altLang="zh-CN" sz="2000" dirty="0" err="1"/>
               <a:t>http_xslt_module</a:t>
             </a:r>
-            <a:endParaRPr lang="en-US" altLang="zh-CN" sz="1600" dirty="0"/>
-          </a:p>
-          <a:p>
-            <a:r>
-              <a:rPr lang="zh-CN" altLang="en-US" sz="2000" dirty="0"/>
+            <a:r>
+              <a:rPr lang="en-US" altLang="zh-CN" sz="2000" dirty="0"/>
+              <a:t> –enable-static</a:t>
+            </a:r>
+          </a:p>
+          <a:p>
+            <a:r>
+              <a:rPr lang="zh-CN" altLang="en-US" sz="2400" dirty="0"/>
               <a:t>编译安装：</a:t>
             </a:r>
-            <a:endParaRPr lang="en-US" altLang="zh-CN" sz="2000" dirty="0"/>
+            <a:endParaRPr lang="en-US" altLang="zh-CN" sz="2400" dirty="0"/>
           </a:p>
           <a:p>
             <a:pPr marL="457200" lvl="1" indent="0">
               <a:buNone/>
             </a:pPr>
             <a:r>
-              <a:rPr lang="en-US" altLang="zh-CN" sz="1600" dirty="0"/>
+              <a:rPr lang="en-US" altLang="zh-CN" dirty="0"/>
               <a:t>make install</a:t>
             </a:r>
           </a:p>
@@ -5827,23 +5830,23 @@
               <a:buNone/>
             </a:pPr>
             <a:r>
-              <a:rPr lang="zh-CN" altLang="en-US" sz="1600" dirty="0"/>
+              <a:rPr lang="zh-CN" altLang="en-US" dirty="0"/>
               <a:t>如果是非</a:t>
             </a:r>
             <a:r>
-              <a:rPr lang="en-US" altLang="zh-CN" sz="1600" dirty="0"/>
+              <a:rPr lang="en-US" altLang="zh-CN" dirty="0"/>
               <a:t>root</a:t>
             </a:r>
             <a:r>
-              <a:rPr lang="zh-CN" altLang="en-US" sz="1600" dirty="0"/>
+              <a:rPr lang="zh-CN" altLang="en-US" dirty="0"/>
               <a:t>用户，使用</a:t>
             </a:r>
             <a:r>
-              <a:rPr lang="en-US" altLang="zh-CN" sz="1600" dirty="0" err="1"/>
+              <a:rPr lang="en-US" altLang="zh-CN" dirty="0" err="1"/>
               <a:t>sudo</a:t>
             </a:r>
             <a:r>
-              <a:rPr lang="en-US" altLang="zh-CN" sz="1600" dirty="0"/>
+              <a:rPr lang="en-US" altLang="zh-CN" dirty="0"/>
               <a:t> make install</a:t>
             </a:r>
           </a:p>
@@ -5926,7 +5929,7 @@
             <p:ph idx="1"/>
             <p:extLst>
               <p:ext uri="{D42A27DB-BD31-4B8C-83A1-F6EECF244321}">
-                <p14:modId xmlns:p14="http://schemas.microsoft.com/office/powerpoint/2010/main" val="618928670"/>
+                <p14:modId xmlns:p14="http://schemas.microsoft.com/office/powerpoint/2010/main" val="594104630"/>
               </p:ext>
             </p:extLst>
           </p:nvPr>
@@ -5965,7 +5968,7 @@
                     <a:p>
                       <a:pPr algn="ctr"/>
                       <a:r>
-                        <a:rPr lang="zh-CN" altLang="en-US" dirty="0"/>
+                        <a:rPr lang="zh-CN" altLang="en-US" sz="2400" b="1" dirty="0"/>
                         <a:t>目录</a:t>
                       </a:r>
                     </a:p>
@@ -5978,7 +5981,7 @@
                     <a:lstStyle/>
                     <a:p>
                       <a:r>
-                        <a:rPr lang="zh-CN" altLang="en-US" dirty="0"/>
+                        <a:rPr lang="zh-CN" altLang="en-US" sz="2400" b="1" dirty="0"/>
                         <a:t>说明</a:t>
                       </a:r>
                     </a:p>
@@ -5999,10 +6002,10 @@
                     <a:p>
                       <a:pPr algn="ctr"/>
                       <a:r>
-                        <a:rPr lang="en-US" altLang="zh-CN" dirty="0" err="1"/>
+                        <a:rPr lang="en-US" altLang="zh-CN" sz="2400" dirty="0" err="1"/>
                         <a:t>sbin</a:t>
                       </a:r>
-                      <a:endParaRPr lang="zh-CN" altLang="en-US" dirty="0"/>
+                      <a:endParaRPr lang="zh-CN" altLang="en-US" sz="2400" dirty="0"/>
                     </a:p>
                   </a:txBody>
                   <a:tcPr anchor="ctr"/>
@@ -6013,11 +6016,11 @@
                     <a:lstStyle/>
                     <a:p>
                       <a:r>
-                        <a:rPr lang="en-US" altLang="zh-CN" dirty="0" err="1"/>
+                        <a:rPr lang="en-US" altLang="zh-CN" sz="2400" dirty="0" err="1"/>
                         <a:t>nginx</a:t>
                       </a:r>
                       <a:r>
-                        <a:rPr lang="zh-CN" altLang="en-US" dirty="0"/>
+                        <a:rPr lang="zh-CN" altLang="en-US" sz="2400" dirty="0"/>
                         <a:t>程序所在目录</a:t>
                       </a:r>
                     </a:p>
@@ -6038,10 +6041,10 @@
                     <a:p>
                       <a:pPr algn="ctr"/>
                       <a:r>
-                        <a:rPr lang="en-US" altLang="zh-CN" dirty="0" err="1"/>
+                        <a:rPr lang="en-US" altLang="zh-CN" sz="2400" dirty="0" err="1"/>
                         <a:t>conf</a:t>
                       </a:r>
-                      <a:endParaRPr lang="zh-CN" altLang="en-US" dirty="0"/>
+                      <a:endParaRPr lang="zh-CN" altLang="en-US" sz="2400" dirty="0"/>
                     </a:p>
                   </a:txBody>
                   <a:tcPr anchor="ctr"/>
@@ -6052,7 +6055,7 @@
                     <a:lstStyle/>
                     <a:p>
                       <a:r>
-                        <a:rPr lang="zh-CN" altLang="en-US" dirty="0"/>
+                        <a:rPr lang="zh-CN" altLang="en-US" sz="2400" dirty="0"/>
                         <a:t>配置文件目录</a:t>
                       </a:r>
                     </a:p>
@@ -6073,10 +6076,10 @@
                     <a:p>
                       <a:pPr algn="ctr"/>
                       <a:r>
-                        <a:rPr lang="en-US" altLang="zh-CN" dirty="0"/>
+                        <a:rPr lang="en-US" altLang="zh-CN" sz="2400" dirty="0"/>
                         <a:t>logs</a:t>
                       </a:r>
-                      <a:endParaRPr lang="zh-CN" altLang="en-US" dirty="0"/>
+                      <a:endParaRPr lang="zh-CN" altLang="en-US" sz="2400" dirty="0"/>
                     </a:p>
                   </a:txBody>
                   <a:tcPr anchor="ctr"/>
@@ -6087,47 +6090,47 @@
                     <a:lstStyle/>
                     <a:p>
                       <a:r>
-                        <a:rPr lang="zh-CN" altLang="en-US" dirty="0"/>
+                        <a:rPr lang="zh-CN" altLang="en-US" sz="2400" dirty="0"/>
                         <a:t>日志目录，</a:t>
                       </a:r>
                       <a:r>
-                        <a:rPr lang="en-US" altLang="zh-CN" dirty="0" err="1"/>
+                        <a:rPr lang="en-US" altLang="zh-CN" sz="2400" dirty="0" err="1"/>
                         <a:t>nginx.pid</a:t>
                       </a:r>
                       <a:r>
-                        <a:rPr lang="zh-CN" altLang="en-US" dirty="0"/>
+                        <a:rPr lang="zh-CN" altLang="en-US" sz="2400" dirty="0"/>
                         <a:t>也在此目录，记录</a:t>
                       </a:r>
                       <a:r>
-                        <a:rPr lang="en-US" altLang="zh-CN" dirty="0" err="1"/>
+                        <a:rPr lang="en-US" altLang="zh-CN" sz="2400" dirty="0" err="1"/>
                         <a:t>nginx</a:t>
                       </a:r>
                       <a:r>
-                        <a:rPr lang="zh-CN" altLang="en-US" dirty="0"/>
+                        <a:rPr lang="zh-CN" altLang="en-US" sz="2400" dirty="0"/>
                         <a:t>进程的</a:t>
                       </a:r>
                       <a:r>
-                        <a:rPr lang="en-US" altLang="zh-CN" dirty="0"/>
+                        <a:rPr lang="en-US" altLang="zh-CN" sz="2400" dirty="0"/>
                         <a:t>PID</a:t>
                       </a:r>
                       <a:r>
-                        <a:rPr lang="zh-CN" altLang="en-US" dirty="0"/>
+                        <a:rPr lang="zh-CN" altLang="en-US" sz="2400" dirty="0"/>
                         <a:t>。</a:t>
                       </a:r>
                       <a:r>
-                        <a:rPr lang="en-US" altLang="zh-CN" dirty="0"/>
+                        <a:rPr lang="en-US" altLang="zh-CN" sz="2400" dirty="0"/>
                         <a:t>error.log</a:t>
                       </a:r>
                       <a:r>
-                        <a:rPr lang="zh-CN" altLang="en-US" dirty="0"/>
+                        <a:rPr lang="zh-CN" altLang="en-US" sz="2400" dirty="0"/>
                         <a:t>记录错误日志，</a:t>
                       </a:r>
                       <a:r>
-                        <a:rPr lang="en-US" altLang="zh-CN" dirty="0"/>
+                        <a:rPr lang="en-US" altLang="zh-CN" sz="2400" dirty="0"/>
                         <a:t>access.log</a:t>
                       </a:r>
                       <a:r>
-                        <a:rPr lang="zh-CN" altLang="en-US" dirty="0"/>
+                        <a:rPr lang="zh-CN" altLang="en-US" sz="2400" dirty="0"/>
                         <a:t>记录请求访问日志。</a:t>
                       </a:r>
                     </a:p>
@@ -6426,102 +6429,52 @@
           <a:lstStyle/>
           <a:p>
             <a:r>
-              <a:rPr lang="zh-CN" altLang="en-US" sz="2000" dirty="0"/>
+              <a:rPr lang="zh-CN" altLang="en-US" sz="2400" dirty="0"/>
               <a:t>在安装目录下找到</a:t>
             </a:r>
             <a:r>
-              <a:rPr lang="en-US" altLang="zh-CN" sz="2000" dirty="0" err="1"/>
+              <a:rPr lang="en-US" altLang="zh-CN" sz="2400" dirty="0" err="1"/>
               <a:t>conf</a:t>
             </a:r>
             <a:r>
-              <a:rPr lang="en-US" altLang="zh-CN" sz="2000" dirty="0"/>
+              <a:rPr lang="en-US" altLang="zh-CN" sz="2400" dirty="0"/>
               <a:t>/</a:t>
             </a:r>
             <a:r>
-              <a:rPr lang="en-US" altLang="zh-CN" sz="2000" dirty="0" err="1"/>
+              <a:rPr lang="en-US" altLang="zh-CN" sz="2400" dirty="0" err="1"/>
               <a:t>nginx.conf</a:t>
             </a:r>
-            <a:endParaRPr lang="en-US" altLang="zh-CN" sz="2000" dirty="0"/>
-          </a:p>
-          <a:p>
-            <a:endParaRPr lang="en-US" altLang="zh-CN" sz="2000" dirty="0"/>
-          </a:p>
-          <a:p>
-            <a:r>
-              <a:rPr lang="zh-CN" altLang="en-US" sz="2000" dirty="0"/>
+            <a:endParaRPr lang="en-US" altLang="zh-CN" sz="2400" dirty="0"/>
+          </a:p>
+          <a:p>
+            <a:endParaRPr lang="en-US" altLang="zh-CN" sz="2400" dirty="0"/>
+          </a:p>
+          <a:p>
+            <a:r>
+              <a:rPr lang="zh-CN" altLang="en-US" sz="2400" dirty="0"/>
               <a:t>其中有一行配置</a:t>
             </a:r>
             <a:r>
-              <a:rPr lang="en-US" altLang="zh-CN" sz="2000" dirty="0" err="1"/>
+              <a:rPr lang="en-US" altLang="zh-CN" sz="2400" dirty="0" err="1"/>
               <a:t>pid</a:t>
             </a:r>
             <a:r>
-              <a:rPr lang="en-US" altLang="zh-CN" sz="2000" dirty="0"/>
+              <a:rPr lang="en-US" altLang="zh-CN" sz="2400" dirty="0"/>
               <a:t>    logs/</a:t>
             </a:r>
             <a:r>
-              <a:rPr lang="en-US" altLang="zh-CN" sz="2000" dirty="0" err="1"/>
+              <a:rPr lang="en-US" altLang="zh-CN" sz="2400" dirty="0" err="1"/>
               <a:t>nginx.pid</a:t>
             </a:r>
-            <a:endParaRPr lang="en-US" altLang="zh-CN" sz="2000" dirty="0"/>
+            <a:endParaRPr lang="en-US" altLang="zh-CN" sz="2400" dirty="0"/>
           </a:p>
           <a:p>
             <a:pPr marL="457200" lvl="1" indent="0">
               <a:buNone/>
             </a:pPr>
             <a:r>
-              <a:rPr lang="zh-CN" altLang="en-US" sz="1600" dirty="0"/>
+              <a:rPr lang="zh-CN" altLang="en-US" sz="2000" dirty="0"/>
               <a:t>这表示在</a:t>
-            </a:r>
-            <a:r>
-              <a:rPr lang="en-US" altLang="zh-CN" sz="1600" dirty="0" err="1"/>
-              <a:t>nginx</a:t>
-            </a:r>
-            <a:r>
-              <a:rPr lang="zh-CN" altLang="en-US" sz="1600" dirty="0"/>
-              <a:t>守护进程启动后会在</a:t>
-            </a:r>
-            <a:r>
-              <a:rPr lang="en-US" altLang="zh-CN" sz="1600" dirty="0"/>
-              <a:t>logs</a:t>
-            </a:r>
-            <a:r>
-              <a:rPr lang="zh-CN" altLang="en-US" sz="1600" dirty="0"/>
-              <a:t>目录下的</a:t>
-            </a:r>
-            <a:r>
-              <a:rPr lang="en-US" altLang="zh-CN" sz="1600" dirty="0" err="1"/>
-              <a:t>nginx.pid</a:t>
-            </a:r>
-            <a:r>
-              <a:rPr lang="zh-CN" altLang="en-US" sz="1600" dirty="0"/>
-              <a:t>文件记录当前运行的进程</a:t>
-            </a:r>
-            <a:r>
-              <a:rPr lang="en-US" altLang="zh-CN" sz="1600" dirty="0"/>
-              <a:t>ID</a:t>
-            </a:r>
-            <a:r>
-              <a:rPr lang="zh-CN" altLang="en-US" sz="1600" dirty="0"/>
-              <a:t>，通过</a:t>
-            </a:r>
-            <a:r>
-              <a:rPr lang="en-US" altLang="zh-CN" sz="1600" dirty="0"/>
-              <a:t>kill</a:t>
-            </a:r>
-            <a:r>
-              <a:rPr lang="zh-CN" altLang="en-US" sz="1600" dirty="0"/>
-              <a:t>命令可以终止此进程以及所有子进程。编写管理脚本要用到此文件。</a:t>
-            </a:r>
-            <a:endParaRPr lang="en-US" altLang="zh-CN" sz="2000" dirty="0"/>
-          </a:p>
-          <a:p>
-            <a:endParaRPr lang="en-US" altLang="zh-CN" sz="2000" dirty="0"/>
-          </a:p>
-          <a:p>
-            <a:r>
-              <a:rPr lang="zh-CN" altLang="en-US" sz="2000" dirty="0"/>
-              <a:t>其他配置可参考</a:t>
             </a:r>
             <a:r>
               <a:rPr lang="en-US" altLang="zh-CN" sz="2000" dirty="0" err="1"/>
@@ -6529,23 +6482,73 @@
             </a:r>
             <a:r>
               <a:rPr lang="zh-CN" altLang="en-US" sz="2000" dirty="0"/>
+              <a:t>守护进程启动后会在</a:t>
+            </a:r>
+            <a:r>
+              <a:rPr lang="en-US" altLang="zh-CN" sz="2000" dirty="0"/>
+              <a:t>logs</a:t>
+            </a:r>
+            <a:r>
+              <a:rPr lang="zh-CN" altLang="en-US" sz="2000" dirty="0"/>
+              <a:t>目录下的</a:t>
+            </a:r>
+            <a:r>
+              <a:rPr lang="en-US" altLang="zh-CN" sz="2000" dirty="0" err="1"/>
+              <a:t>nginx.pid</a:t>
+            </a:r>
+            <a:r>
+              <a:rPr lang="zh-CN" altLang="en-US" sz="2000" dirty="0"/>
+              <a:t>文件记录当前运行的进程</a:t>
+            </a:r>
+            <a:r>
+              <a:rPr lang="en-US" altLang="zh-CN" sz="2000" dirty="0"/>
+              <a:t>ID</a:t>
+            </a:r>
+            <a:r>
+              <a:rPr lang="zh-CN" altLang="en-US" sz="2000" dirty="0"/>
+              <a:t>，通过</a:t>
+            </a:r>
+            <a:r>
+              <a:rPr lang="en-US" altLang="zh-CN" sz="2000" dirty="0"/>
+              <a:t>kill</a:t>
+            </a:r>
+            <a:r>
+              <a:rPr lang="zh-CN" altLang="en-US" sz="2000" dirty="0"/>
+              <a:t>命令可以终止此进程以及所有子进程。编写管理脚本要用到此文件。</a:t>
+            </a:r>
+            <a:endParaRPr lang="en-US" altLang="zh-CN" sz="2000" dirty="0"/>
+          </a:p>
+          <a:p>
+            <a:endParaRPr lang="en-US" altLang="zh-CN" sz="2400" dirty="0"/>
+          </a:p>
+          <a:p>
+            <a:r>
+              <a:rPr lang="zh-CN" altLang="en-US" sz="2400" dirty="0"/>
+              <a:t>其他配置可参考</a:t>
+            </a:r>
+            <a:r>
+              <a:rPr lang="en-US" altLang="zh-CN" sz="2400" dirty="0" err="1"/>
+              <a:t>nginx</a:t>
+            </a:r>
+            <a:r>
+              <a:rPr lang="zh-CN" altLang="en-US" sz="2400" dirty="0"/>
               <a:t>官方文档。</a:t>
             </a:r>
-            <a:endParaRPr lang="en-US" altLang="zh-CN" sz="2000" dirty="0"/>
-          </a:p>
-          <a:p>
-            <a:endParaRPr lang="en-US" altLang="zh-CN" sz="2000" dirty="0"/>
-          </a:p>
-          <a:p>
-            <a:r>
-              <a:rPr lang="en-US" altLang="zh-CN" sz="2000" dirty="0" err="1"/>
+            <a:endParaRPr lang="en-US" altLang="zh-CN" sz="2400" dirty="0"/>
+          </a:p>
+          <a:p>
+            <a:endParaRPr lang="en-US" altLang="zh-CN" sz="2400" dirty="0"/>
+          </a:p>
+          <a:p>
+            <a:r>
+              <a:rPr lang="en-US" altLang="zh-CN" sz="2400" dirty="0" err="1"/>
               <a:t>nginx.conf</a:t>
             </a:r>
             <a:r>
-              <a:rPr lang="zh-CN" altLang="en-US" sz="2000" dirty="0"/>
+              <a:rPr lang="zh-CN" altLang="en-US" sz="2400" dirty="0"/>
               <a:t>已经给出了基本的配置，在此基础上修改即可。</a:t>
             </a:r>
-            <a:endParaRPr lang="en-US" altLang="zh-CN" sz="2000" dirty="0"/>
+            <a:endParaRPr lang="en-US" altLang="zh-CN" sz="2400" dirty="0"/>
           </a:p>
         </p:txBody>
       </p:sp>
@@ -6649,280 +6652,237 @@
           <a:lstStyle/>
           <a:p>
             <a:r>
-              <a:rPr lang="en-US" altLang="zh-CN" sz="2000" dirty="0"/>
+              <a:rPr lang="en-US" altLang="zh-CN" sz="2400" dirty="0"/>
               <a:t>Nginx</a:t>
             </a:r>
             <a:r>
-              <a:rPr lang="zh-CN" altLang="en-US" sz="2000" dirty="0"/>
+              <a:rPr lang="zh-CN" altLang="en-US" sz="2400" dirty="0"/>
               <a:t>要使用</a:t>
             </a:r>
             <a:r>
-              <a:rPr lang="en-US" altLang="zh-CN" sz="2000" dirty="0"/>
+              <a:rPr lang="en-US" altLang="zh-CN" sz="2400" dirty="0"/>
               <a:t>root</a:t>
             </a:r>
             <a:r>
-              <a:rPr lang="zh-CN" altLang="en-US" sz="2000" dirty="0"/>
+              <a:rPr lang="zh-CN" altLang="en-US" sz="2400" dirty="0"/>
               <a:t>身份运行，运行后，进程</a:t>
             </a:r>
             <a:r>
-              <a:rPr lang="en-US" altLang="zh-CN" sz="2000" dirty="0"/>
+              <a:rPr lang="en-US" altLang="zh-CN" sz="2400" dirty="0"/>
               <a:t>ID</a:t>
             </a:r>
             <a:r>
-              <a:rPr lang="zh-CN" altLang="en-US" sz="2000" dirty="0"/>
+              <a:rPr lang="zh-CN" altLang="en-US" sz="2400" dirty="0"/>
               <a:t>记录在</a:t>
             </a:r>
             <a:r>
-              <a:rPr lang="en-US" altLang="zh-CN" sz="2000" dirty="0" err="1"/>
+              <a:rPr lang="en-US" altLang="zh-CN" sz="2400" dirty="0" err="1"/>
               <a:t>nginx.pid</a:t>
             </a:r>
             <a:r>
-              <a:rPr lang="zh-CN" altLang="en-US" sz="2000" dirty="0"/>
+              <a:rPr lang="zh-CN" altLang="en-US" sz="2400" dirty="0"/>
               <a:t>文件。</a:t>
             </a:r>
-            <a:endParaRPr lang="en-US" altLang="zh-CN" sz="2000" dirty="0"/>
-          </a:p>
-          <a:p>
-            <a:r>
-              <a:rPr lang="zh-CN" altLang="en-US" sz="2000" dirty="0"/>
+            <a:endParaRPr lang="en-US" altLang="zh-CN" sz="2400" dirty="0"/>
+          </a:p>
+          <a:p>
+            <a:r>
+              <a:rPr lang="zh-CN" altLang="en-US" sz="2400" dirty="0"/>
               <a:t>处理过程就是通过</a:t>
             </a:r>
             <a:r>
-              <a:rPr lang="en-US" altLang="zh-CN" sz="2000" dirty="0" err="1"/>
+              <a:rPr lang="en-US" altLang="zh-CN" sz="2400" dirty="0" err="1"/>
               <a:t>nginx.pid</a:t>
             </a:r>
             <a:r>
-              <a:rPr lang="zh-CN" altLang="en-US" sz="2000" dirty="0"/>
+              <a:rPr lang="zh-CN" altLang="en-US" sz="2400" dirty="0"/>
               <a:t>来获取</a:t>
             </a:r>
             <a:r>
-              <a:rPr lang="en-US" altLang="zh-CN" sz="2000" dirty="0"/>
+              <a:rPr lang="en-US" altLang="zh-CN" sz="2400" dirty="0"/>
               <a:t>Nginx</a:t>
             </a:r>
             <a:r>
-              <a:rPr lang="zh-CN" altLang="en-US" sz="2000" dirty="0"/>
+              <a:rPr lang="zh-CN" altLang="en-US" sz="2400" dirty="0"/>
               <a:t>的</a:t>
             </a:r>
             <a:r>
-              <a:rPr lang="en-US" altLang="zh-CN" sz="2000" dirty="0"/>
+              <a:rPr lang="en-US" altLang="zh-CN" sz="2400" dirty="0"/>
               <a:t>PID</a:t>
             </a:r>
             <a:r>
-              <a:rPr lang="zh-CN" altLang="en-US" sz="2000" dirty="0"/>
+              <a:rPr lang="zh-CN" altLang="en-US" sz="2400" dirty="0"/>
               <a:t>并进行管理。</a:t>
             </a:r>
-            <a:endParaRPr lang="en-US" altLang="zh-CN" sz="2000" dirty="0"/>
-          </a:p>
-          <a:p>
-            <a:r>
-              <a:rPr lang="zh-CN" altLang="en-US" sz="2000" dirty="0"/>
+            <a:endParaRPr lang="en-US" altLang="zh-CN" sz="2400" dirty="0"/>
+          </a:p>
+          <a:p>
+            <a:r>
+              <a:rPr lang="zh-CN" altLang="en-US" sz="2400" dirty="0"/>
               <a:t>使用</a:t>
             </a:r>
             <a:r>
-              <a:rPr lang="en-US" altLang="zh-CN" sz="2000" dirty="0"/>
+              <a:rPr lang="en-US" altLang="zh-CN" sz="2400" dirty="0"/>
               <a:t>bash</a:t>
             </a:r>
             <a:r>
-              <a:rPr lang="zh-CN" altLang="en-US" sz="2000" dirty="0"/>
+              <a:rPr lang="zh-CN" altLang="en-US" sz="2400" dirty="0"/>
               <a:t>脚本实现：</a:t>
             </a:r>
-            <a:endParaRPr lang="en-US" altLang="zh-CN" sz="2000" dirty="0"/>
+            <a:endParaRPr lang="en-US" altLang="zh-CN" sz="2400" dirty="0"/>
           </a:p>
           <a:p>
             <a:pPr marL="457200" lvl="1" indent="0">
               <a:buNone/>
             </a:pPr>
             <a:r>
-              <a:rPr lang="zh-CN" altLang="en-US" sz="1600" dirty="0"/>
+              <a:rPr lang="zh-CN" altLang="en-US" sz="2000" dirty="0"/>
               <a:t>支持参数：</a:t>
             </a:r>
             <a:r>
-              <a:rPr lang="en-US" altLang="zh-CN" sz="1600" dirty="0"/>
+              <a:rPr lang="en-US" altLang="zh-CN" sz="2000" dirty="0"/>
               <a:t>start</a:t>
             </a:r>
             <a:r>
-              <a:rPr lang="zh-CN" altLang="en-US" sz="1600" dirty="0"/>
+              <a:rPr lang="zh-CN" altLang="en-US" sz="2000" dirty="0"/>
               <a:t>，</a:t>
             </a:r>
             <a:r>
-              <a:rPr lang="en-US" altLang="zh-CN" sz="1600" dirty="0"/>
+              <a:rPr lang="en-US" altLang="zh-CN" sz="2000" dirty="0"/>
               <a:t>stop</a:t>
             </a:r>
             <a:r>
-              <a:rPr lang="zh-CN" altLang="en-US" sz="1600" dirty="0"/>
+              <a:rPr lang="zh-CN" altLang="en-US" sz="2000" dirty="0"/>
               <a:t>，</a:t>
             </a:r>
             <a:r>
-              <a:rPr lang="en-US" altLang="zh-CN" sz="1600" dirty="0"/>
+              <a:rPr lang="en-US" altLang="zh-CN" sz="2000" dirty="0"/>
               <a:t>reload</a:t>
             </a:r>
-            <a:endParaRPr lang="en-US" altLang="zh-CN" sz="2000" dirty="0"/>
           </a:p>
           <a:p>
             <a:pPr marL="457200" lvl="1" indent="0">
               <a:buNone/>
             </a:pPr>
             <a:r>
-              <a:rPr lang="en-US" altLang="zh-CN" sz="1600" dirty="0"/>
+              <a:rPr lang="en-US" altLang="zh-CN" sz="2000" dirty="0"/>
               <a:t>start</a:t>
             </a:r>
             <a:r>
-              <a:rPr lang="zh-CN" altLang="en-US" sz="1600" dirty="0"/>
+              <a:rPr lang="zh-CN" altLang="en-US" sz="2000" dirty="0"/>
               <a:t>：检测</a:t>
             </a:r>
             <a:r>
-              <a:rPr lang="en-US" altLang="zh-CN" sz="1600" dirty="0" err="1"/>
+              <a:rPr lang="en-US" altLang="zh-CN" sz="2000" dirty="0" err="1"/>
               <a:t>nginx</a:t>
             </a:r>
             <a:r>
-              <a:rPr lang="en-US" altLang="zh-CN" sz="1600" dirty="0"/>
+              <a:rPr lang="en-US" altLang="zh-CN" sz="2000" dirty="0"/>
               <a:t> </a:t>
             </a:r>
             <a:r>
-              <a:rPr lang="zh-CN" altLang="en-US" sz="1600" dirty="0"/>
+              <a:rPr lang="zh-CN" altLang="en-US" sz="2000" dirty="0"/>
               <a:t>是否在运行，没有则启动</a:t>
             </a:r>
             <a:r>
-              <a:rPr lang="en-US" altLang="zh-CN" sz="1600" dirty="0" err="1"/>
+              <a:rPr lang="en-US" altLang="zh-CN" sz="2000" dirty="0" err="1"/>
               <a:t>nginx</a:t>
             </a:r>
             <a:r>
-              <a:rPr lang="zh-CN" altLang="en-US" sz="1600" dirty="0"/>
+              <a:rPr lang="zh-CN" altLang="en-US" sz="2000" dirty="0"/>
               <a:t>。</a:t>
             </a:r>
-            <a:endParaRPr lang="en-US" altLang="zh-CN" sz="1600" dirty="0"/>
+            <a:endParaRPr lang="en-US" altLang="zh-CN" sz="2000" dirty="0"/>
           </a:p>
           <a:p>
             <a:pPr marL="457200" lvl="1" indent="0">
               <a:buNone/>
             </a:pPr>
             <a:r>
-              <a:rPr lang="en-US" altLang="zh-CN" sz="1600" dirty="0"/>
+              <a:rPr lang="en-US" altLang="zh-CN" sz="2000" dirty="0"/>
               <a:t>stop</a:t>
             </a:r>
             <a:r>
-              <a:rPr lang="zh-CN" altLang="en-US" sz="1600" dirty="0"/>
+              <a:rPr lang="zh-CN" altLang="en-US" sz="2000" dirty="0"/>
               <a:t>：检测</a:t>
             </a:r>
             <a:r>
-              <a:rPr lang="en-US" altLang="zh-CN" sz="1600" dirty="0" err="1"/>
+              <a:rPr lang="en-US" altLang="zh-CN" sz="2000" dirty="0" err="1"/>
               <a:t>nginx</a:t>
             </a:r>
             <a:r>
-              <a:rPr lang="zh-CN" altLang="en-US" sz="1600" dirty="0"/>
+              <a:rPr lang="zh-CN" altLang="en-US" sz="2000" dirty="0"/>
               <a:t>是否运行，已经运行则获取</a:t>
             </a:r>
             <a:r>
-              <a:rPr lang="en-US" altLang="zh-CN" sz="1600" dirty="0" err="1"/>
+              <a:rPr lang="en-US" altLang="zh-CN" sz="2000" dirty="0" err="1"/>
               <a:t>nginx.pid</a:t>
             </a:r>
             <a:r>
-              <a:rPr lang="zh-CN" altLang="en-US" sz="1600" dirty="0"/>
+              <a:rPr lang="zh-CN" altLang="en-US" sz="2000" dirty="0"/>
               <a:t>的</a:t>
             </a:r>
             <a:r>
-              <a:rPr lang="en-US" altLang="zh-CN" sz="1600" dirty="0"/>
+              <a:rPr lang="en-US" altLang="zh-CN" sz="2000" dirty="0"/>
               <a:t>PID</a:t>
             </a:r>
             <a:r>
-              <a:rPr lang="zh-CN" altLang="en-US" sz="1600" dirty="0"/>
+              <a:rPr lang="zh-CN" altLang="en-US" sz="2000" dirty="0"/>
               <a:t>数据并</a:t>
             </a:r>
             <a:r>
-              <a:rPr lang="en-US" altLang="zh-CN" sz="1600" dirty="0"/>
+              <a:rPr lang="en-US" altLang="zh-CN" sz="2000" dirty="0"/>
               <a:t>kill</a:t>
             </a:r>
             <a:r>
-              <a:rPr lang="zh-CN" altLang="en-US" sz="1600" dirty="0"/>
+              <a:rPr lang="zh-CN" altLang="en-US" sz="2000" dirty="0"/>
               <a:t>进程</a:t>
             </a:r>
             <a:r>
-              <a:rPr lang="en-US" altLang="zh-CN" sz="1600" dirty="0"/>
+              <a:rPr lang="en-US" altLang="zh-CN" sz="2000" dirty="0"/>
               <a:t>ID</a:t>
             </a:r>
             <a:r>
-              <a:rPr lang="zh-CN" altLang="en-US" sz="1600" dirty="0"/>
+              <a:rPr lang="zh-CN" altLang="en-US" sz="2000" dirty="0"/>
               <a:t>。</a:t>
             </a:r>
-            <a:endParaRPr lang="en-US" altLang="zh-CN" sz="1600" dirty="0"/>
+            <a:endParaRPr lang="en-US" altLang="zh-CN" sz="2000" dirty="0"/>
           </a:p>
           <a:p>
             <a:pPr marL="457200" lvl="1" indent="0">
               <a:buNone/>
             </a:pPr>
             <a:r>
-              <a:rPr lang="en-US" altLang="zh-CN" sz="1600" dirty="0"/>
+              <a:rPr lang="en-US" altLang="zh-CN" sz="2000" dirty="0"/>
               <a:t>reload</a:t>
             </a:r>
             <a:r>
-              <a:rPr lang="zh-CN" altLang="en-US" sz="1600" dirty="0"/>
+              <a:rPr lang="zh-CN" altLang="en-US" sz="2000" dirty="0"/>
               <a:t>：调用</a:t>
-            </a:r>
-            <a:r>
-              <a:rPr lang="en-US" altLang="zh-CN" sz="1600" dirty="0" err="1"/>
-              <a:t>nginx</a:t>
-            </a:r>
-            <a:r>
-              <a:rPr lang="en-US" altLang="zh-CN" sz="1600" dirty="0"/>
-              <a:t> –s reload</a:t>
-            </a:r>
-            <a:r>
-              <a:rPr lang="zh-CN" altLang="en-US" sz="1600" dirty="0"/>
-              <a:t>即可。</a:t>
-            </a:r>
-            <a:endParaRPr lang="en-US" altLang="zh-CN" sz="1600" dirty="0"/>
-          </a:p>
-          <a:p>
-            <a:endParaRPr lang="en-US" altLang="zh-CN" sz="2000" dirty="0"/>
-          </a:p>
-          <a:p>
-            <a:r>
-              <a:rPr lang="zh-CN" altLang="en-US" sz="2000" dirty="0"/>
-              <a:t>具体代码参考脚本文件。</a:t>
-            </a:r>
-            <a:endParaRPr lang="en-US" altLang="zh-CN" sz="2000" dirty="0"/>
-          </a:p>
-          <a:p>
-            <a:endParaRPr lang="en-US" altLang="zh-CN" sz="2000" dirty="0"/>
-          </a:p>
-          <a:p>
-            <a:r>
-              <a:rPr lang="zh-CN" altLang="en-US" sz="2000" dirty="0"/>
-              <a:t>其他方式：</a:t>
-            </a:r>
-            <a:r>
-              <a:rPr lang="en-US" altLang="zh-CN" sz="2000" dirty="0"/>
-              <a:t>Ubuntu</a:t>
-            </a:r>
-            <a:r>
-              <a:rPr lang="zh-CN" altLang="en-US" sz="2000" dirty="0"/>
-              <a:t>上可以下载</a:t>
-            </a:r>
-            <a:r>
-              <a:rPr lang="en-US" altLang="zh-CN" sz="2000" dirty="0"/>
-              <a:t>Ubuntu</a:t>
-            </a:r>
-            <a:r>
-              <a:rPr lang="zh-CN" altLang="en-US" sz="2000" dirty="0"/>
-              <a:t>软件源提供的</a:t>
-            </a:r>
-            <a:r>
-              <a:rPr lang="en-US" altLang="zh-CN" sz="2000" dirty="0"/>
-              <a:t>deb</a:t>
-            </a:r>
-            <a:r>
-              <a:rPr lang="zh-CN" altLang="en-US" sz="2000" dirty="0"/>
-              <a:t>软件包，解压后有</a:t>
             </a:r>
             <a:r>
               <a:rPr lang="en-US" altLang="zh-CN" sz="2000" dirty="0" err="1"/>
               <a:t>nginx</a:t>
             </a:r>
             <a:r>
+              <a:rPr lang="en-US" altLang="zh-CN" sz="2000" dirty="0"/>
+              <a:t> –s reload</a:t>
+            </a:r>
+            <a:r>
               <a:rPr lang="zh-CN" altLang="en-US" sz="2000" dirty="0"/>
-              <a:t>管理脚本实现类似的功能。可以稍加修改使用。</a:t>
+              <a:t>即可。</a:t>
             </a:r>
             <a:endParaRPr lang="en-US" altLang="zh-CN" sz="2000" dirty="0"/>
+          </a:p>
+          <a:p>
+            <a:endParaRPr lang="en-US" altLang="zh-CN" sz="2400" dirty="0"/>
+          </a:p>
+          <a:p>
+            <a:r>
+              <a:rPr lang="zh-CN" altLang="en-US" sz="2400" dirty="0"/>
+              <a:t>具体代码参考脚本文件。</a:t>
+            </a:r>
+            <a:endParaRPr lang="en-US" altLang="zh-CN" sz="2400" dirty="0"/>
           </a:p>
         </p:txBody>
       </p:sp>
@@ -7309,81 +7269,77 @@
           <a:lstStyle/>
           <a:p>
             <a:r>
-              <a:rPr lang="zh-CN" altLang="en-US" sz="2000" dirty="0"/>
+              <a:rPr lang="zh-CN" altLang="en-US" sz="2400" dirty="0"/>
               <a:t>由于已经实现了</a:t>
             </a:r>
             <a:r>
-              <a:rPr lang="en-US" altLang="zh-CN" sz="2000" dirty="0"/>
+              <a:rPr lang="en-US" altLang="zh-CN" sz="2400" dirty="0"/>
               <a:t>Nginx</a:t>
             </a:r>
             <a:r>
-              <a:rPr lang="zh-CN" altLang="en-US" sz="2000" dirty="0"/>
+              <a:rPr lang="zh-CN" altLang="en-US" sz="2400" dirty="0"/>
               <a:t>和</a:t>
             </a:r>
             <a:r>
-              <a:rPr lang="en-US" altLang="zh-CN" sz="2000" dirty="0" err="1"/>
+              <a:rPr lang="en-US" altLang="zh-CN" sz="2400" dirty="0" err="1"/>
               <a:t>php</a:t>
             </a:r>
             <a:r>
-              <a:rPr lang="en-US" altLang="zh-CN" sz="2000" dirty="0"/>
+              <a:rPr lang="en-US" altLang="zh-CN" sz="2400" dirty="0"/>
               <a:t>-fpm</a:t>
             </a:r>
             <a:r>
-              <a:rPr lang="zh-CN" altLang="en-US" sz="2000" dirty="0"/>
+              <a:rPr lang="zh-CN" altLang="en-US" sz="2400" dirty="0"/>
               <a:t>的管理脚本，这里使用一个脚本调用两个脚本即可。</a:t>
             </a:r>
-            <a:endParaRPr lang="en-US" altLang="zh-CN" sz="2000" dirty="0"/>
-          </a:p>
-          <a:p>
-            <a:endParaRPr lang="en-US" altLang="zh-CN" sz="2000"/>
-          </a:p>
-          <a:p>
-            <a:r>
-              <a:rPr lang="zh-CN" altLang="en-US" sz="2000"/>
-              <a:t>支持</a:t>
-            </a:r>
-            <a:r>
-              <a:rPr lang="zh-CN" altLang="en-US" sz="2000" dirty="0"/>
-              <a:t>的参数：</a:t>
-            </a:r>
-            <a:r>
-              <a:rPr lang="en-US" altLang="zh-CN" sz="2000" dirty="0"/>
+            <a:endParaRPr lang="en-US" altLang="zh-CN" sz="2400" dirty="0"/>
+          </a:p>
+          <a:p>
+            <a:endParaRPr lang="en-US" altLang="zh-CN" sz="2400" dirty="0"/>
+          </a:p>
+          <a:p>
+            <a:r>
+              <a:rPr lang="zh-CN" altLang="en-US" sz="2400" dirty="0"/>
+              <a:t>支持的参数：</a:t>
+            </a:r>
+            <a:r>
+              <a:rPr lang="en-US" altLang="zh-CN" sz="2400" dirty="0"/>
               <a:t>start</a:t>
             </a:r>
             <a:r>
-              <a:rPr lang="zh-CN" altLang="en-US" sz="2000" dirty="0"/>
+              <a:rPr lang="zh-CN" altLang="en-US" sz="2400" dirty="0"/>
               <a:t>，</a:t>
             </a:r>
             <a:r>
-              <a:rPr lang="en-US" altLang="zh-CN" sz="2000" dirty="0"/>
+              <a:rPr lang="en-US" altLang="zh-CN" sz="2400" dirty="0"/>
               <a:t>stop</a:t>
             </a:r>
             <a:r>
-              <a:rPr lang="zh-CN" altLang="en-US" sz="2000" dirty="0"/>
+              <a:rPr lang="zh-CN" altLang="en-US" sz="2400" dirty="0"/>
               <a:t>，</a:t>
             </a:r>
             <a:r>
-              <a:rPr lang="en-US" altLang="zh-CN" sz="2000" dirty="0"/>
+              <a:rPr lang="en-US" altLang="zh-CN" sz="2400" dirty="0"/>
               <a:t>restart</a:t>
             </a:r>
             <a:r>
-              <a:rPr lang="zh-CN" altLang="en-US" sz="2000" dirty="0"/>
+              <a:rPr lang="zh-CN" altLang="en-US" sz="2400" dirty="0"/>
               <a:t>，</a:t>
             </a:r>
             <a:r>
-              <a:rPr lang="en-US" altLang="zh-CN" sz="2000" dirty="0" err="1"/>
+              <a:rPr lang="en-US" altLang="zh-CN" sz="2400" dirty="0" err="1"/>
               <a:t>ngx</a:t>
             </a:r>
             <a:r>
-              <a:rPr lang="en-US" altLang="zh-CN" sz="2000" dirty="0"/>
+              <a:rPr lang="en-US" altLang="zh-CN" sz="2400" dirty="0"/>
               <a:t>-reload</a:t>
             </a:r>
             <a:r>
-              <a:rPr lang="zh-CN" altLang="en-US" sz="2000" dirty="0"/>
+              <a:rPr lang="zh-CN" altLang="en-US" sz="2400" dirty="0"/>
               <a:t>，</a:t>
             </a:r>
             <a:r>
-              <a:rPr lang="en-US" altLang="zh-CN" sz="2000" dirty="0"/>
+              <a:rPr lang="en-US" altLang="zh-CN" sz="2400" dirty="0"/>
               <a:t>fpm-reload</a:t>
             </a:r>
           </a:p>
@@ -7392,180 +7348,180 @@
               <a:buNone/>
             </a:pPr>
             <a:r>
-              <a:rPr lang="en-US" altLang="zh-CN" sz="1800" dirty="0"/>
+              <a:rPr lang="en-US" altLang="zh-CN" sz="2000" dirty="0"/>
               <a:t>start</a:t>
             </a:r>
             <a:r>
-              <a:rPr lang="zh-CN" altLang="en-US" sz="1800" dirty="0"/>
+              <a:rPr lang="zh-CN" altLang="en-US" sz="2000" dirty="0"/>
               <a:t>：实现方式只需要运行</a:t>
             </a:r>
             <a:r>
-              <a:rPr lang="en-US" altLang="zh-CN" sz="1800" dirty="0"/>
+              <a:rPr lang="en-US" altLang="zh-CN" sz="2000" dirty="0"/>
               <a:t>Nginx</a:t>
             </a:r>
             <a:r>
-              <a:rPr lang="zh-CN" altLang="en-US" sz="1800" dirty="0"/>
+              <a:rPr lang="zh-CN" altLang="en-US" sz="2000" dirty="0"/>
               <a:t>和</a:t>
             </a:r>
             <a:r>
-              <a:rPr lang="en-US" altLang="zh-CN" sz="1800" dirty="0" err="1"/>
+              <a:rPr lang="en-US" altLang="zh-CN" sz="2000" dirty="0" err="1"/>
               <a:t>php</a:t>
             </a:r>
             <a:r>
-              <a:rPr lang="en-US" altLang="zh-CN" sz="1800" dirty="0"/>
+              <a:rPr lang="en-US" altLang="zh-CN" sz="2000" dirty="0"/>
               <a:t>-fpm</a:t>
             </a:r>
             <a:r>
-              <a:rPr lang="zh-CN" altLang="en-US" sz="1800" dirty="0"/>
+              <a:rPr lang="zh-CN" altLang="en-US" sz="2000" dirty="0"/>
               <a:t>管理脚本传入</a:t>
             </a:r>
             <a:r>
-              <a:rPr lang="en-US" altLang="zh-CN" sz="1800" dirty="0"/>
+              <a:rPr lang="en-US" altLang="zh-CN" sz="2000" dirty="0"/>
               <a:t>start</a:t>
             </a:r>
             <a:r>
-              <a:rPr lang="zh-CN" altLang="en-US" sz="1800" dirty="0"/>
+              <a:rPr lang="zh-CN" altLang="en-US" sz="2000" dirty="0"/>
               <a:t>参数</a:t>
             </a:r>
-            <a:endParaRPr lang="en-US" altLang="zh-CN" sz="1800" dirty="0"/>
+            <a:endParaRPr lang="en-US" altLang="zh-CN" sz="2000" dirty="0"/>
           </a:p>
           <a:p>
             <a:pPr marL="457200" lvl="1" indent="0">
               <a:buNone/>
             </a:pPr>
             <a:r>
-              <a:rPr lang="en-US" altLang="zh-CN" sz="1800" dirty="0"/>
+              <a:rPr lang="en-US" altLang="zh-CN" sz="2000" dirty="0"/>
               <a:t>stop</a:t>
             </a:r>
             <a:r>
-              <a:rPr lang="zh-CN" altLang="en-US" sz="1800" dirty="0"/>
+              <a:rPr lang="zh-CN" altLang="en-US" sz="2000" dirty="0"/>
               <a:t>：和</a:t>
             </a:r>
             <a:r>
-              <a:rPr lang="en-US" altLang="zh-CN" sz="1800" dirty="0"/>
+              <a:rPr lang="en-US" altLang="zh-CN" sz="2000" dirty="0"/>
               <a:t>start</a:t>
             </a:r>
             <a:r>
-              <a:rPr lang="zh-CN" altLang="en-US" sz="1800" dirty="0"/>
+              <a:rPr lang="zh-CN" altLang="en-US" sz="2000" dirty="0"/>
               <a:t>处理方式相同</a:t>
             </a:r>
-            <a:endParaRPr lang="en-US" altLang="zh-CN" sz="1800" dirty="0"/>
+            <a:endParaRPr lang="en-US" altLang="zh-CN" sz="2000" dirty="0"/>
           </a:p>
           <a:p>
             <a:pPr marL="457200" lvl="1" indent="0">
               <a:buNone/>
             </a:pPr>
             <a:r>
-              <a:rPr lang="en-US" altLang="zh-CN" sz="1800" dirty="0"/>
+              <a:rPr lang="en-US" altLang="zh-CN" sz="2000" dirty="0"/>
               <a:t>restart</a:t>
             </a:r>
             <a:r>
-              <a:rPr lang="zh-CN" altLang="en-US" sz="1800" dirty="0"/>
+              <a:rPr lang="zh-CN" altLang="en-US" sz="2000" dirty="0"/>
               <a:t>：和</a:t>
             </a:r>
             <a:r>
-              <a:rPr lang="en-US" altLang="zh-CN" sz="1800" dirty="0"/>
+              <a:rPr lang="en-US" altLang="zh-CN" sz="2000" dirty="0"/>
               <a:t>start</a:t>
             </a:r>
             <a:r>
-              <a:rPr lang="zh-CN" altLang="en-US" sz="1800" dirty="0"/>
+              <a:rPr lang="zh-CN" altLang="en-US" sz="2000" dirty="0"/>
               <a:t>处理方式相同</a:t>
             </a:r>
-            <a:endParaRPr lang="en-US" altLang="zh-CN" sz="1800" dirty="0"/>
+            <a:endParaRPr lang="en-US" altLang="zh-CN" sz="2000" dirty="0"/>
           </a:p>
           <a:p>
             <a:pPr marL="457200" lvl="1" indent="0">
               <a:buNone/>
             </a:pPr>
             <a:r>
-              <a:rPr lang="en-US" altLang="zh-CN" sz="1800" dirty="0" err="1"/>
+              <a:rPr lang="en-US" altLang="zh-CN" sz="2000" dirty="0" err="1"/>
               <a:t>ngx</a:t>
             </a:r>
             <a:r>
-              <a:rPr lang="en-US" altLang="zh-CN" sz="1800" dirty="0"/>
+              <a:rPr lang="en-US" altLang="zh-CN" sz="2000" dirty="0"/>
               <a:t>-reload</a:t>
             </a:r>
             <a:r>
-              <a:rPr lang="zh-CN" altLang="en-US" sz="1800" dirty="0"/>
+              <a:rPr lang="zh-CN" altLang="en-US" sz="2000" dirty="0"/>
               <a:t>：调用</a:t>
             </a:r>
             <a:r>
-              <a:rPr lang="en-US" altLang="zh-CN" sz="1800" dirty="0"/>
+              <a:rPr lang="en-US" altLang="zh-CN" sz="2000" dirty="0"/>
               <a:t>Nginx</a:t>
             </a:r>
             <a:r>
-              <a:rPr lang="zh-CN" altLang="en-US" sz="1800" dirty="0"/>
+              <a:rPr lang="zh-CN" altLang="en-US" sz="2000" dirty="0"/>
               <a:t>管理脚本传入</a:t>
             </a:r>
             <a:r>
-              <a:rPr lang="en-US" altLang="zh-CN" sz="1800" dirty="0"/>
+              <a:rPr lang="en-US" altLang="zh-CN" sz="2000" dirty="0"/>
               <a:t>reload</a:t>
             </a:r>
             <a:r>
-              <a:rPr lang="zh-CN" altLang="en-US" sz="1800" dirty="0"/>
+              <a:rPr lang="zh-CN" altLang="en-US" sz="2000" dirty="0"/>
               <a:t>参数</a:t>
             </a:r>
-            <a:endParaRPr lang="en-US" altLang="zh-CN" sz="1800" dirty="0"/>
+            <a:endParaRPr lang="en-US" altLang="zh-CN" sz="2000" dirty="0"/>
           </a:p>
           <a:p>
             <a:pPr marL="457200" lvl="1" indent="0">
               <a:buNone/>
             </a:pPr>
             <a:r>
-              <a:rPr lang="en-US" altLang="zh-CN" sz="1800" dirty="0"/>
+              <a:rPr lang="en-US" altLang="zh-CN" sz="2000" dirty="0"/>
               <a:t>fpm-reload</a:t>
             </a:r>
             <a:r>
-              <a:rPr lang="zh-CN" altLang="en-US" sz="1800" dirty="0"/>
+              <a:rPr lang="zh-CN" altLang="en-US" sz="2000" dirty="0"/>
               <a:t>：调用</a:t>
             </a:r>
             <a:r>
-              <a:rPr lang="en-US" altLang="zh-CN" sz="1800" dirty="0" err="1"/>
+              <a:rPr lang="en-US" altLang="zh-CN" sz="2000" dirty="0" err="1"/>
               <a:t>php</a:t>
             </a:r>
             <a:r>
-              <a:rPr lang="en-US" altLang="zh-CN" sz="1800" dirty="0"/>
+              <a:rPr lang="en-US" altLang="zh-CN" sz="2000" dirty="0"/>
               <a:t>-fpm</a:t>
             </a:r>
             <a:r>
-              <a:rPr lang="zh-CN" altLang="en-US" sz="1800" dirty="0"/>
+              <a:rPr lang="zh-CN" altLang="en-US" sz="2000" dirty="0"/>
               <a:t>管理脚本掺入</a:t>
             </a:r>
             <a:r>
-              <a:rPr lang="en-US" altLang="zh-CN" sz="1800" dirty="0"/>
+              <a:rPr lang="en-US" altLang="zh-CN" sz="2000" dirty="0"/>
               <a:t>reload</a:t>
             </a:r>
             <a:r>
-              <a:rPr lang="zh-CN" altLang="en-US" sz="1800" dirty="0"/>
+              <a:rPr lang="zh-CN" altLang="en-US" sz="2000" dirty="0"/>
               <a:t>参数</a:t>
             </a:r>
-            <a:endParaRPr lang="en-US" altLang="zh-CN" sz="1800" dirty="0"/>
-          </a:p>
-          <a:p>
             <a:endParaRPr lang="en-US" altLang="zh-CN" sz="2000" dirty="0"/>
           </a:p>
           <a:p>
-            <a:r>
-              <a:rPr lang="zh-CN" altLang="en-US" sz="2000" dirty="0"/>
+            <a:endParaRPr lang="en-US" altLang="zh-CN" sz="2400" dirty="0"/>
+          </a:p>
+          <a:p>
+            <a:r>
+              <a:rPr lang="zh-CN" altLang="en-US" sz="2400" dirty="0"/>
               <a:t>具体代码不便在</a:t>
             </a:r>
             <a:r>
-              <a:rPr lang="en-US" altLang="zh-CN" sz="2000" dirty="0"/>
+              <a:rPr lang="en-US" altLang="zh-CN" sz="2400" dirty="0"/>
               <a:t>ppt</a:t>
             </a:r>
             <a:r>
-              <a:rPr lang="zh-CN" altLang="en-US" sz="2000" dirty="0"/>
+              <a:rPr lang="zh-CN" altLang="en-US" sz="2400" dirty="0"/>
               <a:t>展示，参考</a:t>
             </a:r>
             <a:r>
-              <a:rPr lang="en-US" altLang="zh-CN" sz="2000" dirty="0"/>
+              <a:rPr lang="en-US" altLang="zh-CN" sz="2400" dirty="0"/>
               <a:t>bash</a:t>
             </a:r>
             <a:r>
-              <a:rPr lang="zh-CN" altLang="en-US" sz="2000" dirty="0"/>
+              <a:rPr lang="zh-CN" altLang="en-US" sz="2400" dirty="0"/>
               <a:t>脚本文件。</a:t>
             </a:r>
-            <a:endParaRPr lang="en-US" altLang="zh-CN" sz="2000" dirty="0"/>
+            <a:endParaRPr lang="en-US" altLang="zh-CN" sz="2400" dirty="0"/>
           </a:p>
         </p:txBody>
       </p:sp>
@@ -7648,7 +7604,7 @@
             <p:ph idx="1"/>
             <p:extLst>
               <p:ext uri="{D42A27DB-BD31-4B8C-83A1-F6EECF244321}">
-                <p14:modId xmlns:p14="http://schemas.microsoft.com/office/powerpoint/2010/main" val="488633169"/>
+                <p14:modId xmlns:p14="http://schemas.microsoft.com/office/powerpoint/2010/main" val="3132665242"/>
               </p:ext>
             </p:extLst>
           </p:nvPr>
@@ -7680,14 +7636,14 @@
                     <a:p>
                       <a:pPr lvl="4" algn="l"/>
                       <a:r>
-                        <a:rPr lang="en-US" altLang="zh-CN" sz="2000" b="0" dirty="0">
+                        <a:rPr lang="en-US" altLang="zh-CN" sz="2400" b="0" dirty="0">
                           <a:latin typeface="汉仪家书简" panose="02010609000101010101" pitchFamily="49" charset="-122"/>
                           <a:ea typeface="汉仪家书简" panose="02010609000101010101" pitchFamily="49" charset="-122"/>
                         </a:rPr>
                         <a:t>LNMP</a:t>
                       </a:r>
                       <a:r>
-                        <a:rPr lang="zh-CN" altLang="en-US" sz="2000" b="0" dirty="0">
+                        <a:rPr lang="zh-CN" altLang="en-US" sz="2400" b="0" dirty="0">
                           <a:latin typeface="汉仪家书简" panose="02010609000101010101" pitchFamily="49" charset="-122"/>
                           <a:ea typeface="汉仪家书简" panose="02010609000101010101" pitchFamily="49" charset="-122"/>
                         </a:rPr>
@@ -7738,14 +7694,14 @@
                     <a:p>
                       <a:pPr lvl="4" algn="l"/>
                       <a:r>
-                        <a:rPr lang="en-US" altLang="zh-CN" sz="2000" dirty="0">
+                        <a:rPr lang="en-US" altLang="zh-CN" sz="2400" dirty="0">
                           <a:latin typeface="汉仪家书简" panose="02010609000101010101" pitchFamily="49" charset="-122"/>
                           <a:ea typeface="汉仪家书简" panose="02010609000101010101" pitchFamily="49" charset="-122"/>
                         </a:rPr>
                         <a:t>Nginx</a:t>
                       </a:r>
                       <a:r>
-                        <a:rPr lang="zh-CN" altLang="en-US" sz="2000" dirty="0">
+                        <a:rPr lang="zh-CN" altLang="en-US" sz="2400" dirty="0">
                           <a:latin typeface="汉仪家书简" panose="02010609000101010101" pitchFamily="49" charset="-122"/>
                           <a:ea typeface="汉仪家书简" panose="02010609000101010101" pitchFamily="49" charset="-122"/>
                         </a:rPr>
@@ -7796,34 +7752,34 @@
                     <a:p>
                       <a:pPr lvl="4" algn="l"/>
                       <a:r>
-                        <a:rPr lang="zh-CN" altLang="en-US" sz="2000" dirty="0">
+                        <a:rPr lang="zh-CN" altLang="en-US" sz="2400" dirty="0">
                           <a:latin typeface="汉仪家书简" panose="02010609000101010101" pitchFamily="49" charset="-122"/>
                           <a:ea typeface="汉仪家书简" panose="02010609000101010101" pitchFamily="49" charset="-122"/>
                         </a:rPr>
                         <a:t>管理</a:t>
                       </a:r>
                       <a:r>
-                        <a:rPr lang="en-US" altLang="zh-CN" sz="2000" dirty="0">
+                        <a:rPr lang="en-US" altLang="zh-CN" sz="2400" dirty="0">
                           <a:latin typeface="汉仪家书简" panose="02010609000101010101" pitchFamily="49" charset="-122"/>
                           <a:ea typeface="汉仪家书简" panose="02010609000101010101" pitchFamily="49" charset="-122"/>
                         </a:rPr>
                         <a:t>Nginx</a:t>
                       </a:r>
                       <a:r>
-                        <a:rPr lang="zh-CN" altLang="en-US" sz="2000" dirty="0">
+                        <a:rPr lang="zh-CN" altLang="en-US" sz="2400" dirty="0">
                           <a:latin typeface="汉仪家书简" panose="02010609000101010101" pitchFamily="49" charset="-122"/>
                           <a:ea typeface="汉仪家书简" panose="02010609000101010101" pitchFamily="49" charset="-122"/>
                         </a:rPr>
                         <a:t>和</a:t>
                       </a:r>
                       <a:r>
-                        <a:rPr lang="en-US" altLang="zh-CN" sz="2000" dirty="0">
+                        <a:rPr lang="en-US" altLang="zh-CN" sz="2400" dirty="0">
                           <a:latin typeface="汉仪家书简" panose="02010609000101010101" pitchFamily="49" charset="-122"/>
                           <a:ea typeface="汉仪家书简" panose="02010609000101010101" pitchFamily="49" charset="-122"/>
                         </a:rPr>
                         <a:t>PHP</a:t>
                       </a:r>
-                      <a:endParaRPr lang="zh-CN" altLang="en-US" sz="2000" dirty="0">
+                      <a:endParaRPr lang="zh-CN" altLang="en-US" sz="2400" dirty="0">
                         <a:latin typeface="汉仪家书简" panose="02010609000101010101" pitchFamily="49" charset="-122"/>
                         <a:ea typeface="汉仪家书简" panose="02010609000101010101" pitchFamily="49" charset="-122"/>
                       </a:endParaRPr>
@@ -8164,45 +8120,14 @@
           <a:p>
             <a:r>
               <a:rPr lang="en-US" altLang="zh-CN" sz="2000" dirty="0"/>
-              <a:t>CentOS</a:t>
+              <a:t>PHP</a:t>
             </a:r>
             <a:r>
               <a:rPr lang="zh-CN" altLang="en-US" sz="2000" dirty="0"/>
-              <a:t>用于移植平台测试，</a:t>
+              <a:t>和数据库之间的操作方式没有变化，这里主要讲述</a:t>
             </a:r>
             <a:r>
               <a:rPr lang="en-US" altLang="zh-CN" sz="2000" dirty="0"/>
-              <a:t>Ubuntu</a:t>
-            </a:r>
-            <a:r>
-              <a:rPr lang="zh-CN" altLang="en-US" sz="2000" dirty="0"/>
-              <a:t>编译成功后，移植到</a:t>
-            </a:r>
-            <a:r>
-              <a:rPr lang="en-US" altLang="zh-CN" sz="2000" dirty="0"/>
-              <a:t>CentOS</a:t>
-            </a:r>
-            <a:r>
-              <a:rPr lang="zh-CN" altLang="en-US" sz="2000" dirty="0"/>
-              <a:t>进行测试，确保两个平台都可用。</a:t>
-            </a:r>
-            <a:endParaRPr lang="en-US" altLang="zh-CN" sz="2000" dirty="0"/>
-          </a:p>
-          <a:p>
-            <a:r>
-              <a:rPr lang="en-US" altLang="zh-CN" sz="2000" dirty="0"/>
-              <a:t>PHP</a:t>
-            </a:r>
-            <a:r>
-              <a:rPr lang="zh-CN" altLang="en-US" sz="2000" dirty="0"/>
-              <a:t>和数据库之间的操作方式没有变化，</a:t>
-            </a:r>
-            <a:r>
-              <a:rPr lang="zh-CN" altLang="en-US" sz="2000"/>
-              <a:t>这里主要讲述</a:t>
-            </a:r>
-            <a:r>
-              <a:rPr lang="en-US" altLang="zh-CN" sz="2000"/>
               <a:t>LNMP</a:t>
             </a:r>
             <a:r>
@@ -8215,7 +8140,7 @@
             </a:r>
             <a:r>
               <a:rPr lang="zh-CN" altLang="en-US" sz="2000" dirty="0"/>
-              <a:t>的模式。</a:t>
+              <a:t>的模式</a:t>
             </a:r>
             <a:endParaRPr lang="en-US" altLang="zh-CN" sz="2000" dirty="0"/>
           </a:p>
@@ -8709,107 +8634,107 @@
           <a:lstStyle/>
           <a:p>
             <a:r>
-              <a:rPr lang="en-US" altLang="zh-CN" sz="1800" dirty="0"/>
+              <a:rPr lang="en-US" altLang="zh-CN" sz="2000" dirty="0"/>
               <a:t>Nginx</a:t>
             </a:r>
             <a:r>
-              <a:rPr lang="zh-CN" altLang="en-US" sz="1800" dirty="0"/>
+              <a:rPr lang="zh-CN" altLang="en-US" sz="2000" dirty="0"/>
               <a:t>在</a:t>
             </a:r>
             <a:r>
-              <a:rPr lang="en-US" altLang="zh-CN" sz="1800" dirty="0"/>
+              <a:rPr lang="en-US" altLang="zh-CN" sz="2000" dirty="0"/>
               <a:t>Linux</a:t>
             </a:r>
             <a:r>
-              <a:rPr lang="zh-CN" altLang="en-US" sz="1800" dirty="0"/>
+              <a:rPr lang="zh-CN" altLang="en-US" sz="2000" dirty="0"/>
               <a:t>上基于</a:t>
             </a:r>
             <a:r>
-              <a:rPr lang="en-US" altLang="zh-CN" sz="1800" dirty="0" err="1"/>
+              <a:rPr lang="en-US" altLang="zh-CN" sz="2000" dirty="0" err="1"/>
               <a:t>epoll</a:t>
             </a:r>
             <a:r>
-              <a:rPr lang="zh-CN" altLang="en-US" sz="1800" dirty="0"/>
+              <a:rPr lang="zh-CN" altLang="en-US" sz="2000" dirty="0"/>
               <a:t>实现了异步</a:t>
             </a:r>
             <a:r>
-              <a:rPr lang="en-US" altLang="zh-CN" sz="1800" dirty="0"/>
+              <a:rPr lang="en-US" altLang="zh-CN" sz="2000" dirty="0"/>
               <a:t>IO</a:t>
             </a:r>
             <a:r>
-              <a:rPr lang="zh-CN" altLang="en-US" sz="1800" dirty="0"/>
+              <a:rPr lang="zh-CN" altLang="en-US" sz="2000" dirty="0"/>
               <a:t>模式，相比于</a:t>
             </a:r>
             <a:r>
-              <a:rPr lang="en-US" altLang="zh-CN" sz="1800" dirty="0"/>
+              <a:rPr lang="en-US" altLang="zh-CN" sz="2000" dirty="0"/>
               <a:t>Apache</a:t>
             </a:r>
             <a:r>
-              <a:rPr lang="zh-CN" altLang="en-US" sz="1800" dirty="0"/>
+              <a:rPr lang="zh-CN" altLang="en-US" sz="2000" dirty="0"/>
               <a:t>传统的方式，性能要高很多。同时，</a:t>
             </a:r>
             <a:r>
-              <a:rPr lang="en-US" altLang="zh-CN" sz="1800" dirty="0"/>
+              <a:rPr lang="en-US" altLang="zh-CN" sz="2000" dirty="0"/>
               <a:t>Nginx</a:t>
             </a:r>
             <a:r>
-              <a:rPr lang="zh-CN" altLang="en-US" sz="1800" dirty="0"/>
+              <a:rPr lang="zh-CN" altLang="en-US" sz="2000" dirty="0"/>
               <a:t>占用资源更少。</a:t>
             </a:r>
-            <a:endParaRPr lang="en-US" altLang="zh-CN" sz="1800" dirty="0"/>
-          </a:p>
-          <a:p>
-            <a:r>
-              <a:rPr lang="en-US" altLang="zh-CN" sz="1800" dirty="0"/>
+            <a:endParaRPr lang="en-US" altLang="zh-CN" sz="2000" dirty="0"/>
+          </a:p>
+          <a:p>
+            <a:r>
+              <a:rPr lang="en-US" altLang="zh-CN" sz="2000" dirty="0"/>
               <a:t>PHP7</a:t>
             </a:r>
             <a:r>
-              <a:rPr lang="zh-CN" altLang="en-US" sz="1800" dirty="0"/>
+              <a:rPr lang="zh-CN" altLang="en-US" sz="2000" dirty="0"/>
               <a:t>性能极大提高，并且</a:t>
             </a:r>
             <a:r>
-              <a:rPr lang="en-US" altLang="zh-CN" sz="1800" dirty="0"/>
+              <a:rPr lang="en-US" altLang="zh-CN" sz="2000" dirty="0"/>
               <a:t>PHP</a:t>
             </a:r>
             <a:r>
-              <a:rPr lang="zh-CN" altLang="en-US" sz="1800" dirty="0"/>
+              <a:rPr lang="zh-CN" altLang="en-US" sz="2000" dirty="0"/>
               <a:t>支持热部署，</a:t>
             </a:r>
             <a:r>
-              <a:rPr lang="en-US" altLang="zh-CN" sz="1800" dirty="0"/>
+              <a:rPr lang="en-US" altLang="zh-CN" sz="2000" dirty="0"/>
               <a:t>PHP</a:t>
             </a:r>
             <a:r>
-              <a:rPr lang="zh-CN" altLang="en-US" sz="1800" dirty="0"/>
+              <a:rPr lang="zh-CN" altLang="en-US" sz="2000" dirty="0"/>
               <a:t>成熟的系统，框架等非常多，有大量的方案可以选择。</a:t>
             </a:r>
-            <a:endParaRPr lang="en-US" altLang="zh-CN" sz="1800" dirty="0"/>
-          </a:p>
-          <a:p>
-            <a:r>
-              <a:rPr lang="en-US" altLang="zh-CN" sz="1800" dirty="0"/>
+            <a:endParaRPr lang="en-US" altLang="zh-CN" sz="2000" dirty="0"/>
+          </a:p>
+          <a:p>
+            <a:r>
+              <a:rPr lang="en-US" altLang="zh-CN" sz="2000" dirty="0"/>
               <a:t>PHP</a:t>
             </a:r>
             <a:r>
-              <a:rPr lang="zh-CN" altLang="en-US" sz="1800" dirty="0"/>
+              <a:rPr lang="zh-CN" altLang="en-US" sz="2000" dirty="0"/>
               <a:t>对于数据库的支持更好，主流数据库都支持，并且有大量的扩展可直接使用。</a:t>
             </a:r>
-            <a:endParaRPr lang="en-US" altLang="zh-CN" sz="1800" dirty="0"/>
-          </a:p>
-          <a:p>
-            <a:r>
-              <a:rPr lang="zh-CN" altLang="en-US" sz="1800" dirty="0"/>
+            <a:endParaRPr lang="en-US" altLang="zh-CN" sz="2000" dirty="0"/>
+          </a:p>
+          <a:p>
+            <a:r>
+              <a:rPr lang="zh-CN" altLang="en-US" sz="2000" dirty="0"/>
               <a:t>配置良好的</a:t>
             </a:r>
             <a:r>
-              <a:rPr lang="en-US" altLang="zh-CN" sz="1800" dirty="0"/>
+              <a:rPr lang="en-US" altLang="zh-CN" sz="2000" dirty="0"/>
               <a:t>LNMP</a:t>
             </a:r>
             <a:r>
-              <a:rPr lang="zh-CN" altLang="en-US" sz="1800" dirty="0"/>
+              <a:rPr lang="zh-CN" altLang="en-US" sz="2000" dirty="0"/>
               <a:t>环境能很好应对高并发场景。</a:t>
             </a:r>
-            <a:endParaRPr lang="en-US" altLang="zh-CN" sz="1800" dirty="0"/>
+            <a:endParaRPr lang="en-US" altLang="zh-CN" sz="2000" dirty="0"/>
           </a:p>
           <a:p>
             <a:pPr marL="0" indent="0">
@@ -8847,8 +8772,8 @@
         </p:blipFill>
         <p:spPr>
           <a:xfrm>
-            <a:off x="3804822" y="3339206"/>
-            <a:ext cx="8317953" cy="3404199"/>
+            <a:off x="4791808" y="3743139"/>
+            <a:ext cx="7330967" cy="3000266"/>
           </a:xfrm>
           <a:prstGeom prst="rect">
             <a:avLst/>
@@ -8869,8 +8794,8 @@
         </p:nvSpPr>
         <p:spPr>
           <a:xfrm>
-            <a:off x="1003177" y="3551068"/>
-            <a:ext cx="2636668" cy="2800767"/>
+            <a:off x="1038345" y="4047338"/>
+            <a:ext cx="3507278" cy="2585323"/>
           </a:xfrm>
           <a:prstGeom prst="rect">
             <a:avLst/>
@@ -8884,7 +8809,7 @@
           <a:lstStyle/>
           <a:p>
             <a:r>
-              <a:rPr lang="zh-CN" altLang="en-US" sz="1600" dirty="0">
+              <a:rPr lang="zh-CN" altLang="en-US" dirty="0">
                 <a:solidFill>
                   <a:srgbClr val="C00000"/>
                 </a:solidFill>
@@ -8892,7 +8817,7 @@
               <a:t>！注意：虽然</a:t>
             </a:r>
             <a:r>
-              <a:rPr lang="en-US" altLang="zh-CN" sz="1600" dirty="0">
+              <a:rPr lang="en-US" altLang="zh-CN" dirty="0">
                 <a:solidFill>
                   <a:srgbClr val="C00000"/>
                 </a:solidFill>
@@ -8900,7 +8825,7 @@
               <a:t>Nginx</a:t>
             </a:r>
             <a:r>
-              <a:rPr lang="zh-CN" altLang="en-US" sz="1600" dirty="0">
+              <a:rPr lang="zh-CN" altLang="en-US" dirty="0">
                 <a:solidFill>
                   <a:srgbClr val="C00000"/>
                 </a:solidFill>
@@ -8908,7 +8833,7 @@
               <a:t>是异步的，但是</a:t>
             </a:r>
             <a:r>
-              <a:rPr lang="en-US" altLang="zh-CN" sz="1600" dirty="0">
+              <a:rPr lang="en-US" altLang="zh-CN" dirty="0">
                 <a:solidFill>
                   <a:srgbClr val="C00000"/>
                 </a:solidFill>
@@ -8916,7 +8841,7 @@
               <a:t>PHP-FPM</a:t>
             </a:r>
             <a:r>
-              <a:rPr lang="zh-CN" altLang="en-US" sz="1600" dirty="0">
+              <a:rPr lang="zh-CN" altLang="en-US" dirty="0">
                 <a:solidFill>
                   <a:srgbClr val="C00000"/>
                 </a:solidFill>
@@ -8924,7 +8849,7 @@
               <a:t>是用多进程的方式同步处理请求的。</a:t>
             </a:r>
             <a:r>
-              <a:rPr lang="en-US" altLang="zh-CN" sz="1600" dirty="0">
+              <a:rPr lang="en-US" altLang="zh-CN" dirty="0">
                 <a:solidFill>
                   <a:srgbClr val="C00000"/>
                 </a:solidFill>
@@ -8932,7 +8857,7 @@
               <a:t>Nginx</a:t>
             </a:r>
             <a:r>
-              <a:rPr lang="zh-CN" altLang="en-US" sz="1600" dirty="0">
+              <a:rPr lang="zh-CN" altLang="en-US" dirty="0">
                 <a:solidFill>
                   <a:srgbClr val="C00000"/>
                 </a:solidFill>
@@ -8940,7 +8865,7 @@
               <a:t>与</a:t>
             </a:r>
             <a:r>
-              <a:rPr lang="en-US" altLang="zh-CN" sz="1600" dirty="0">
+              <a:rPr lang="en-US" altLang="zh-CN" dirty="0">
                 <a:solidFill>
                   <a:srgbClr val="C00000"/>
                 </a:solidFill>
@@ -8948,7 +8873,7 @@
               <a:t>PHP-FPM</a:t>
             </a:r>
             <a:r>
-              <a:rPr lang="zh-CN" altLang="en-US" sz="1600" dirty="0">
+              <a:rPr lang="zh-CN" altLang="en-US" dirty="0">
                 <a:solidFill>
                   <a:srgbClr val="C00000"/>
                 </a:solidFill>
@@ -8956,7 +8881,7 @@
               <a:t>的配置方式简单灵活，并且</a:t>
             </a:r>
             <a:r>
-              <a:rPr lang="en-US" altLang="zh-CN" sz="1600" dirty="0">
+              <a:rPr lang="en-US" altLang="zh-CN" dirty="0">
                 <a:solidFill>
                   <a:srgbClr val="C00000"/>
                 </a:solidFill>
@@ -8964,7 +8889,7 @@
               <a:t>Nginx</a:t>
             </a:r>
             <a:r>
-              <a:rPr lang="zh-CN" altLang="en-US" sz="1600" dirty="0">
+              <a:rPr lang="zh-CN" altLang="en-US" dirty="0">
                 <a:solidFill>
                   <a:srgbClr val="C00000"/>
                 </a:solidFill>
@@ -8972,7 +8897,7 @@
               <a:t>对静态文件并不需要经过</a:t>
             </a:r>
             <a:r>
-              <a:rPr lang="en-US" altLang="zh-CN" sz="1600" dirty="0">
+              <a:rPr lang="en-US" altLang="zh-CN" dirty="0">
                 <a:solidFill>
                   <a:srgbClr val="C00000"/>
                 </a:solidFill>
@@ -8980,7 +8905,7 @@
               <a:t>PHP-FPM</a:t>
             </a:r>
             <a:r>
-              <a:rPr lang="zh-CN" altLang="en-US" sz="1600" dirty="0">
+              <a:rPr lang="zh-CN" altLang="en-US" dirty="0">
                 <a:solidFill>
                   <a:srgbClr val="C00000"/>
                 </a:solidFill>
@@ -8988,7 +8913,7 @@
               <a:t>处理。而</a:t>
             </a:r>
             <a:r>
-              <a:rPr lang="en-US" altLang="zh-CN" sz="1600" dirty="0">
+              <a:rPr lang="en-US" altLang="zh-CN" dirty="0">
                 <a:solidFill>
                   <a:srgbClr val="C00000"/>
                 </a:solidFill>
@@ -8996,14 +8921,14 @@
               <a:t>PHP-FPM</a:t>
             </a:r>
             <a:r>
-              <a:rPr lang="zh-CN" altLang="en-US" sz="1600" dirty="0">
+              <a:rPr lang="zh-CN" altLang="en-US" dirty="0">
                 <a:solidFill>
                   <a:srgbClr val="C00000"/>
                 </a:solidFill>
               </a:rPr>
               <a:t>的可以通过配置文件控制进程数量，动态调整还是使用静态进程池。所以整体性能还是很高的。</a:t>
             </a:r>
-            <a:endParaRPr lang="en-US" altLang="zh-CN" sz="1600" dirty="0">
+            <a:endParaRPr lang="en-US" altLang="zh-CN" dirty="0">
               <a:solidFill>
                 <a:srgbClr val="C00000"/>
               </a:solidFill>
@@ -9092,8 +9017,8 @@
         </p:nvSpPr>
         <p:spPr>
           <a:xfrm>
-            <a:off x="1083077" y="3197063"/>
-            <a:ext cx="7004486" cy="3317896"/>
+            <a:off x="838200" y="3197063"/>
+            <a:ext cx="7249363" cy="3324756"/>
           </a:xfrm>
           <a:prstGeom prst="rect">
             <a:avLst/>
@@ -9122,146 +9047,146 @@
               <a:buChar char="•"/>
             </a:pPr>
             <a:r>
-              <a:rPr lang="en-US" altLang="zh-CN" sz="1600" dirty="0" err="1"/>
+              <a:rPr lang="en-US" altLang="zh-CN" dirty="0" err="1"/>
               <a:t>php</a:t>
             </a:r>
             <a:r>
-              <a:rPr lang="en-US" altLang="zh-CN" sz="1600" dirty="0"/>
+              <a:rPr lang="en-US" altLang="zh-CN" dirty="0"/>
               <a:t>-fpm</a:t>
             </a:r>
             <a:r>
-              <a:rPr lang="zh-CN" altLang="en-US" sz="1600" dirty="0"/>
+              <a:rPr lang="zh-CN" altLang="en-US" dirty="0"/>
               <a:t>实现了</a:t>
             </a:r>
             <a:r>
-              <a:rPr lang="en-US" altLang="zh-CN" sz="1600" dirty="0" err="1"/>
+              <a:rPr lang="en-US" altLang="zh-CN" dirty="0" err="1"/>
               <a:t>fastcgi</a:t>
             </a:r>
             <a:r>
-              <a:rPr lang="zh-CN" altLang="en-US" sz="1600" dirty="0"/>
+              <a:rPr lang="zh-CN" altLang="en-US" dirty="0"/>
               <a:t>协议，当</a:t>
             </a:r>
             <a:r>
-              <a:rPr lang="en-US" altLang="zh-CN" sz="1600" dirty="0" err="1"/>
+              <a:rPr lang="en-US" altLang="zh-CN" dirty="0" err="1"/>
               <a:t>php</a:t>
             </a:r>
             <a:r>
-              <a:rPr lang="en-US" altLang="zh-CN" sz="1600" dirty="0"/>
+              <a:rPr lang="en-US" altLang="zh-CN" dirty="0"/>
               <a:t>-fpm</a:t>
             </a:r>
             <a:r>
-              <a:rPr lang="zh-CN" altLang="en-US" sz="1600" dirty="0"/>
+              <a:rPr lang="zh-CN" altLang="en-US" dirty="0"/>
               <a:t>启动后会解析配置文件，初始化运行环境，加载扩展等操作，并作为</a:t>
             </a:r>
             <a:r>
-              <a:rPr lang="en-US" altLang="zh-CN" sz="1600" dirty="0"/>
+              <a:rPr lang="en-US" altLang="zh-CN" dirty="0"/>
               <a:t>master</a:t>
             </a:r>
             <a:r>
-              <a:rPr lang="zh-CN" altLang="en-US" sz="1600" dirty="0"/>
+              <a:rPr lang="zh-CN" altLang="en-US" dirty="0"/>
               <a:t>进程</a:t>
             </a:r>
             <a:r>
-              <a:rPr lang="en-US" altLang="zh-CN" sz="1600" dirty="0"/>
+              <a:rPr lang="en-US" altLang="zh-CN" dirty="0"/>
               <a:t>fork</a:t>
             </a:r>
             <a:r>
-              <a:rPr lang="zh-CN" altLang="en-US" sz="1600" dirty="0"/>
+              <a:rPr lang="zh-CN" altLang="en-US" dirty="0"/>
               <a:t>一些子进程作为</a:t>
             </a:r>
             <a:r>
-              <a:rPr lang="en-US" altLang="zh-CN" sz="1600" dirty="0"/>
+              <a:rPr lang="en-US" altLang="zh-CN" dirty="0"/>
               <a:t>worker</a:t>
             </a:r>
             <a:r>
-              <a:rPr lang="zh-CN" altLang="en-US" sz="1600" dirty="0"/>
+              <a:rPr lang="zh-CN" altLang="en-US" dirty="0"/>
               <a:t>，请求被</a:t>
             </a:r>
             <a:r>
-              <a:rPr lang="en-US" altLang="zh-CN" sz="1600" dirty="0"/>
+              <a:rPr lang="en-US" altLang="zh-CN" dirty="0"/>
               <a:t>Nginx</a:t>
             </a:r>
             <a:r>
-              <a:rPr lang="zh-CN" altLang="en-US" sz="1600" dirty="0"/>
+              <a:rPr lang="zh-CN" altLang="en-US" dirty="0"/>
               <a:t>受理后，经过简单处理会发送到</a:t>
             </a:r>
             <a:r>
-              <a:rPr lang="en-US" altLang="zh-CN" sz="1600" dirty="0" err="1"/>
+              <a:rPr lang="en-US" altLang="zh-CN" dirty="0" err="1"/>
               <a:t>php</a:t>
             </a:r>
             <a:r>
-              <a:rPr lang="en-US" altLang="zh-CN" sz="1600" dirty="0"/>
+              <a:rPr lang="en-US" altLang="zh-CN" dirty="0"/>
               <a:t>-fpm</a:t>
             </a:r>
             <a:r>
-              <a:rPr lang="zh-CN" altLang="en-US" sz="1600" dirty="0"/>
+              <a:rPr lang="zh-CN" altLang="en-US" dirty="0"/>
               <a:t>，</a:t>
             </a:r>
             <a:r>
-              <a:rPr lang="en-US" altLang="zh-CN" sz="1600" dirty="0"/>
+              <a:rPr lang="en-US" altLang="zh-CN" dirty="0"/>
               <a:t> </a:t>
             </a:r>
             <a:r>
-              <a:rPr lang="en-US" altLang="zh-CN" sz="1600" dirty="0" err="1"/>
+              <a:rPr lang="en-US" altLang="zh-CN" dirty="0" err="1"/>
               <a:t>php</a:t>
             </a:r>
             <a:r>
-              <a:rPr lang="en-US" altLang="zh-CN" sz="1600" dirty="0"/>
+              <a:rPr lang="en-US" altLang="zh-CN" dirty="0"/>
               <a:t>-fpm</a:t>
             </a:r>
             <a:r>
-              <a:rPr lang="zh-CN" altLang="en-US" sz="1600" dirty="0"/>
+              <a:rPr lang="zh-CN" altLang="en-US" dirty="0"/>
               <a:t>会交给一个空闲的</a:t>
             </a:r>
             <a:r>
-              <a:rPr lang="en-US" altLang="zh-CN" sz="1600" dirty="0"/>
+              <a:rPr lang="en-US" altLang="zh-CN" dirty="0"/>
               <a:t>worker</a:t>
             </a:r>
             <a:r>
-              <a:rPr lang="zh-CN" altLang="en-US" sz="1600" dirty="0"/>
+              <a:rPr lang="zh-CN" altLang="en-US" dirty="0"/>
               <a:t>进程，</a:t>
             </a:r>
             <a:r>
-              <a:rPr lang="en-US" altLang="zh-CN" sz="1600" dirty="0"/>
+              <a:rPr lang="en-US" altLang="zh-CN" dirty="0"/>
               <a:t>worker</a:t>
             </a:r>
             <a:r>
-              <a:rPr lang="zh-CN" altLang="en-US" sz="1600" dirty="0"/>
+              <a:rPr lang="zh-CN" altLang="en-US" dirty="0"/>
               <a:t>进程处理后把数据返回给</a:t>
             </a:r>
             <a:r>
-              <a:rPr lang="en-US" altLang="zh-CN" sz="1600" dirty="0"/>
+              <a:rPr lang="en-US" altLang="zh-CN" dirty="0"/>
               <a:t>master</a:t>
             </a:r>
             <a:r>
-              <a:rPr lang="zh-CN" altLang="en-US" sz="1600" dirty="0"/>
+              <a:rPr lang="zh-CN" altLang="en-US" dirty="0"/>
               <a:t>，</a:t>
             </a:r>
             <a:r>
-              <a:rPr lang="en-US" altLang="zh-CN" sz="1600" dirty="0"/>
+              <a:rPr lang="en-US" altLang="zh-CN" dirty="0"/>
               <a:t>master</a:t>
             </a:r>
             <a:r>
-              <a:rPr lang="zh-CN" altLang="en-US" sz="1600" dirty="0"/>
-              <a:t>把数据发送到</a:t>
-            </a:r>
-            <a:r>
-              <a:rPr lang="en-US" altLang="zh-CN" sz="1600" dirty="0"/>
+              <a:rPr lang="zh-CN" altLang="en-US" dirty="0"/>
+              <a:t>把数据返回</a:t>
+            </a:r>
+            <a:r>
+              <a:rPr lang="en-US" altLang="zh-CN" dirty="0"/>
               <a:t>Nginx</a:t>
             </a:r>
             <a:r>
-              <a:rPr lang="zh-CN" altLang="en-US" sz="1600" dirty="0"/>
-              <a:t>，最后</a:t>
-            </a:r>
-            <a:r>
-              <a:rPr lang="en-US" altLang="zh-CN" sz="1600" dirty="0"/>
+              <a:rPr lang="zh-CN" altLang="en-US" dirty="0"/>
+              <a:t>，</a:t>
+            </a:r>
+            <a:r>
+              <a:rPr lang="en-US" altLang="zh-CN" dirty="0"/>
               <a:t>Nginx</a:t>
             </a:r>
             <a:r>
-              <a:rPr lang="zh-CN" altLang="en-US" sz="1600" dirty="0"/>
+              <a:rPr lang="zh-CN" altLang="en-US" dirty="0"/>
               <a:t>返回响应数据。</a:t>
             </a:r>
-            <a:endParaRPr lang="en-US" altLang="zh-CN" sz="1600" dirty="0"/>
+            <a:endParaRPr lang="en-US" altLang="zh-CN" dirty="0"/>
           </a:p>
           <a:p>
             <a:pPr marL="285750" indent="-285750">
@@ -9271,39 +9196,7 @@
               <a:buFont typeface="Arial" panose="020B0604020202020204" pitchFamily="34" charset="0"/>
               <a:buChar char="•"/>
             </a:pPr>
-            <a:r>
-              <a:rPr lang="en-US" altLang="zh-CN" sz="1600" dirty="0"/>
-              <a:t>master</a:t>
-            </a:r>
-            <a:r>
-              <a:rPr lang="zh-CN" altLang="en-US" sz="1600" dirty="0"/>
-              <a:t>进程是以</a:t>
-            </a:r>
-            <a:r>
-              <a:rPr lang="en-US" altLang="zh-CN" sz="1600" dirty="0"/>
-              <a:t>root</a:t>
-            </a:r>
-            <a:r>
-              <a:rPr lang="zh-CN" altLang="en-US" sz="1600" dirty="0"/>
-              <a:t>用户的身份运行的，而</a:t>
-            </a:r>
-            <a:r>
-              <a:rPr lang="en-US" altLang="zh-CN" sz="1600" dirty="0"/>
-              <a:t>worker</a:t>
-            </a:r>
-            <a:r>
-              <a:rPr lang="zh-CN" altLang="en-US" sz="1600" dirty="0"/>
-              <a:t>是用其他用户，一般使用</a:t>
-            </a:r>
-            <a:r>
-              <a:rPr lang="en-US" altLang="zh-CN" sz="1600" dirty="0"/>
-              <a:t>www-data</a:t>
-            </a:r>
-            <a:r>
-              <a:rPr lang="zh-CN" altLang="en-US" sz="1600" dirty="0"/>
-              <a:t>。</a:t>
-            </a:r>
-            <a:endParaRPr lang="en-US" altLang="zh-CN" sz="1600" dirty="0"/>
+            <a:endParaRPr lang="en-US" altLang="zh-CN" dirty="0"/>
           </a:p>
           <a:p>
             <a:pPr marL="285750" indent="-285750">
@@ -9314,59 +9207,101 @@
               <a:buChar char="•"/>
             </a:pPr>
             <a:r>
-              <a:rPr lang="zh-CN" altLang="en-US" sz="1600" dirty="0"/>
+              <a:rPr lang="en-US" altLang="zh-CN" dirty="0"/>
+              <a:t>master</a:t>
+            </a:r>
+            <a:r>
+              <a:rPr lang="zh-CN" altLang="en-US" dirty="0"/>
+              <a:t>进程是以</a:t>
+            </a:r>
+            <a:r>
+              <a:rPr lang="en-US" altLang="zh-CN" dirty="0"/>
+              <a:t>root</a:t>
+            </a:r>
+            <a:r>
+              <a:rPr lang="zh-CN" altLang="en-US" dirty="0"/>
+              <a:t>用户的身份运行的，而</a:t>
+            </a:r>
+            <a:r>
+              <a:rPr lang="en-US" altLang="zh-CN" dirty="0"/>
+              <a:t>worker</a:t>
+            </a:r>
+            <a:r>
+              <a:rPr lang="zh-CN" altLang="en-US" dirty="0"/>
+              <a:t>是用其他用户，一般使用</a:t>
+            </a:r>
+            <a:r>
+              <a:rPr lang="en-US" altLang="zh-CN" dirty="0"/>
+              <a:t>www-data</a:t>
+            </a:r>
+            <a:r>
+              <a:rPr lang="zh-CN" altLang="en-US" dirty="0"/>
+              <a:t>。</a:t>
+            </a:r>
+            <a:endParaRPr lang="en-US" altLang="zh-CN" dirty="0"/>
+          </a:p>
+          <a:p>
+            <a:pPr marL="285750" indent="-285750">
+              <a:lnSpc>
+                <a:spcPts val="2300"/>
+              </a:lnSpc>
+              <a:buFont typeface="Arial" panose="020B0604020202020204" pitchFamily="34" charset="0"/>
+              <a:buChar char="•"/>
+            </a:pPr>
+            <a:r>
+              <a:rPr lang="zh-CN" altLang="en-US" dirty="0"/>
               <a:t>注意：</a:t>
             </a:r>
             <a:r>
-              <a:rPr lang="en-US" altLang="zh-CN" sz="1600" dirty="0" err="1"/>
+              <a:rPr lang="en-US" altLang="zh-CN" dirty="0" err="1"/>
               <a:t>php-cgi</a:t>
             </a:r>
             <a:r>
-              <a:rPr lang="zh-CN" altLang="en-US" sz="1600" dirty="0"/>
+              <a:rPr lang="zh-CN" altLang="en-US" dirty="0"/>
               <a:t>和</a:t>
             </a:r>
             <a:r>
-              <a:rPr lang="en-US" altLang="zh-CN" sz="1600" dirty="0" err="1"/>
+              <a:rPr lang="en-US" altLang="zh-CN" dirty="0" err="1"/>
               <a:t>php</a:t>
             </a:r>
             <a:r>
-              <a:rPr lang="en-US" altLang="zh-CN" sz="1600" dirty="0"/>
+              <a:rPr lang="en-US" altLang="zh-CN" dirty="0"/>
               <a:t>-fpm</a:t>
             </a:r>
             <a:r>
-              <a:rPr lang="zh-CN" altLang="en-US" sz="1600" dirty="0"/>
-              <a:t>是不同的，在运行时也没有关系，</a:t>
-            </a:r>
-            <a:r>
-              <a:rPr lang="en-US" altLang="zh-CN" sz="1600" dirty="0" err="1"/>
+              <a:rPr lang="zh-CN" altLang="en-US" dirty="0"/>
+              <a:t>是不同的，二者不相关，</a:t>
+            </a:r>
+            <a:r>
+              <a:rPr lang="en-US" altLang="zh-CN" dirty="0" err="1"/>
               <a:t>php</a:t>
             </a:r>
             <a:r>
-              <a:rPr lang="en-US" altLang="zh-CN" sz="1600" dirty="0"/>
+              <a:rPr lang="en-US" altLang="zh-CN" dirty="0"/>
               <a:t>-fpm</a:t>
             </a:r>
             <a:r>
-              <a:rPr lang="zh-CN" altLang="en-US" sz="1600" dirty="0"/>
+              <a:rPr lang="zh-CN" altLang="en-US" dirty="0"/>
               <a:t>可以根据配置启动时运行一些</a:t>
             </a:r>
             <a:r>
-              <a:rPr lang="en-US" altLang="zh-CN" sz="1600" dirty="0"/>
+              <a:rPr lang="en-US" altLang="zh-CN" dirty="0"/>
               <a:t>worker</a:t>
             </a:r>
             <a:r>
-              <a:rPr lang="zh-CN" altLang="en-US" sz="1600" dirty="0"/>
-              <a:t>进程，可以配置数据库长连接，避免重复连接的性能损失，同时还会超时自动重连。</a:t>
-            </a:r>
-            <a:r>
-              <a:rPr lang="en-US" altLang="zh-CN" sz="1600" dirty="0" err="1"/>
+              <a:rPr lang="zh-CN" altLang="en-US" dirty="0"/>
+              <a:t>进程，</a:t>
+            </a:r>
+            <a:r>
+              <a:rPr lang="en-US" altLang="zh-CN" dirty="0" err="1"/>
               <a:t>php</a:t>
             </a:r>
             <a:r>
-              <a:rPr lang="en-US" altLang="zh-CN" sz="1600" dirty="0"/>
+              <a:rPr lang="en-US" altLang="zh-CN" dirty="0"/>
               <a:t>-fpm</a:t>
             </a:r>
             <a:r>
-              <a:rPr lang="zh-CN" altLang="en-US" sz="1600" dirty="0"/>
+              <a:rPr lang="zh-CN" altLang="en-US" dirty="0"/>
               <a:t>会根据配置设置动态调整，繁忙时创建多个进程，空闲时关闭一些进程，释放系统资源。</a:t>
             </a:r>
           </a:p>

--- a/materials/slides/ch03-lnmp-basic.pptx
+++ b/materials/slides/ch03-lnmp-basic.pptx
@@ -5804,10 +5804,7 @@
               <a:rPr lang="en-US" altLang="zh-CN" sz="2000" dirty="0" err="1"/>
               <a:t>http_xslt_module</a:t>
             </a:r>
-            <a:r>
-              <a:rPr lang="en-US" altLang="zh-CN" sz="2000" dirty="0"/>
-              <a:t> –enable-static</a:t>
-            </a:r>
+            <a:endParaRPr lang="en-US" altLang="zh-CN" sz="2000" dirty="0"/>
           </a:p>
           <a:p>
             <a:r>
@@ -7295,6 +7292,9 @@
             <a:endParaRPr lang="en-US" altLang="zh-CN" sz="2400" dirty="0"/>
           </a:p>
           <a:p>
+            <a:pPr marL="0" indent="0">
+              <a:buNone/>
+            </a:pPr>
             <a:endParaRPr lang="en-US" altLang="zh-CN" sz="2400" dirty="0"/>
           </a:p>
           <a:p>
@@ -7464,40 +7464,9 @@
             <a:endParaRPr lang="en-US" altLang="zh-CN" sz="2000" dirty="0"/>
           </a:p>
           <a:p>
-            <a:pPr marL="457200" lvl="1" indent="0">
+            <a:pPr marL="0" indent="0">
               <a:buNone/>
             </a:pPr>
-            <a:r>
-              <a:rPr lang="en-US" altLang="zh-CN" sz="2000" dirty="0"/>
-              <a:t>fpm-reload</a:t>
-            </a:r>
-            <a:r>
-              <a:rPr lang="zh-CN" altLang="en-US" sz="2000" dirty="0"/>
-              <a:t>：调用</a:t>
-            </a:r>
-            <a:r>
-              <a:rPr lang="en-US" altLang="zh-CN" sz="2000" dirty="0" err="1"/>
-              <a:t>php</a:t>
-            </a:r>
-            <a:r>
-              <a:rPr lang="en-US" altLang="zh-CN" sz="2000" dirty="0"/>
-              <a:t>-fpm</a:t>
-            </a:r>
-            <a:r>
-              <a:rPr lang="zh-CN" altLang="en-US" sz="2000" dirty="0"/>
-              <a:t>管理脚本掺入</a:t>
-            </a:r>
-            <a:r>
-              <a:rPr lang="en-US" altLang="zh-CN" sz="2000" dirty="0"/>
-              <a:t>reload</a:t>
-            </a:r>
-            <a:r>
-              <a:rPr lang="zh-CN" altLang="en-US" sz="2000" dirty="0"/>
-              <a:t>参数</a:t>
-            </a:r>
-            <a:endParaRPr lang="en-US" altLang="zh-CN" sz="2000" dirty="0"/>
-          </a:p>
-          <a:p>
             <a:endParaRPr lang="en-US" altLang="zh-CN" sz="2400" dirty="0"/>
           </a:p>
           <a:p>

--- a/materials/slides/ch03-lnmp-basic.pptx
+++ b/materials/slides/ch03-lnmp-basic.pptx
@@ -232,7 +232,7 @@
           <a:p>
             <a:fld id="{E923E828-953C-4D4A-9B10-11E7329F433D}" type="datetimeFigureOut">
               <a:rPr lang="zh-CN" altLang="en-US" smtClean="0"/>
-              <a:t>2018/3/14</a:t>
+              <a:t>2018/3/19</a:t>
             </a:fld>
             <a:endParaRPr lang="zh-CN" altLang="en-US"/>
           </a:p>
@@ -413,7 +413,7 @@
           <a:p>
             <a:fld id="{867C5346-22E5-4085-8130-851344A84DFF}" type="datetimeFigureOut">
               <a:rPr lang="zh-CN" altLang="en-US" smtClean="0"/>
-              <a:t>2018/3/14</a:t>
+              <a:t>2018/3/19</a:t>
             </a:fld>
             <a:endParaRPr lang="zh-CN" altLang="en-US"/>
           </a:p>
@@ -1511,7 +1511,7 @@
           <a:p>
             <a:fld id="{A5E21016-498F-4141-B0CA-D95A38CA7D62}" type="datetimeFigureOut">
               <a:rPr lang="zh-CN" altLang="en-US" smtClean="0"/>
-              <a:t>2018/3/14</a:t>
+              <a:t>2018/3/19</a:t>
             </a:fld>
             <a:endParaRPr lang="zh-CN" altLang="en-US"/>
           </a:p>
@@ -1741,7 +1741,7 @@
           <a:p>
             <a:fld id="{A5E21016-498F-4141-B0CA-D95A38CA7D62}" type="datetimeFigureOut">
               <a:rPr lang="zh-CN" altLang="en-US" smtClean="0"/>
-              <a:t>2018/3/14</a:t>
+              <a:t>2018/3/19</a:t>
             </a:fld>
             <a:endParaRPr lang="zh-CN" altLang="en-US"/>
           </a:p>
@@ -1976,7 +1976,7 @@
           <a:p>
             <a:fld id="{A5E21016-498F-4141-B0CA-D95A38CA7D62}" type="datetimeFigureOut">
               <a:rPr lang="zh-CN" altLang="en-US" smtClean="0"/>
-              <a:t>2018/3/14</a:t>
+              <a:t>2018/3/19</a:t>
             </a:fld>
             <a:endParaRPr lang="zh-CN" altLang="en-US"/>
           </a:p>
@@ -2538,7 +2538,7 @@
           <a:p>
             <a:fld id="{A5E21016-498F-4141-B0CA-D95A38CA7D62}" type="datetimeFigureOut">
               <a:rPr lang="zh-CN" altLang="en-US" smtClean="0"/>
-              <a:t>2018/3/14</a:t>
+              <a:t>2018/3/19</a:t>
             </a:fld>
             <a:endParaRPr lang="zh-CN" altLang="en-US"/>
           </a:p>
@@ -2835,7 +2835,7 @@
           <a:p>
             <a:fld id="{A5E21016-498F-4141-B0CA-D95A38CA7D62}" type="datetimeFigureOut">
               <a:rPr lang="zh-CN" altLang="en-US" smtClean="0"/>
-              <a:t>2018/3/14</a:t>
+              <a:t>2018/3/19</a:t>
             </a:fld>
             <a:endParaRPr lang="zh-CN" altLang="en-US"/>
           </a:p>
@@ -3274,7 +3274,7 @@
           <a:p>
             <a:fld id="{A5E21016-498F-4141-B0CA-D95A38CA7D62}" type="datetimeFigureOut">
               <a:rPr lang="zh-CN" altLang="en-US" smtClean="0"/>
-              <a:t>2018/3/14</a:t>
+              <a:t>2018/3/19</a:t>
             </a:fld>
             <a:endParaRPr lang="zh-CN" altLang="en-US"/>
           </a:p>
@@ -3447,7 +3447,7 @@
           <a:p>
             <a:fld id="{A5E21016-498F-4141-B0CA-D95A38CA7D62}" type="datetimeFigureOut">
               <a:rPr lang="zh-CN" altLang="en-US" smtClean="0"/>
-              <a:t>2018/3/14</a:t>
+              <a:t>2018/3/19</a:t>
             </a:fld>
             <a:endParaRPr lang="zh-CN" altLang="en-US"/>
           </a:p>
@@ -3584,7 +3584,7 @@
           <a:p>
             <a:fld id="{A5E21016-498F-4141-B0CA-D95A38CA7D62}" type="datetimeFigureOut">
               <a:rPr lang="zh-CN" altLang="en-US" smtClean="0"/>
-              <a:t>2018/3/14</a:t>
+              <a:t>2018/3/19</a:t>
             </a:fld>
             <a:endParaRPr lang="zh-CN" altLang="en-US"/>
           </a:p>
@@ -3922,7 +3922,7 @@
           <a:p>
             <a:fld id="{A5E21016-498F-4141-B0CA-D95A38CA7D62}" type="datetimeFigureOut">
               <a:rPr lang="zh-CN" altLang="en-US" smtClean="0"/>
-              <a:t>2018/3/14</a:t>
+              <a:t>2018/3/19</a:t>
             </a:fld>
             <a:endParaRPr lang="zh-CN" altLang="en-US"/>
           </a:p>
@@ -4237,7 +4237,7 @@
           <a:p>
             <a:fld id="{A5E21016-498F-4141-B0CA-D95A38CA7D62}" type="datetimeFigureOut">
               <a:rPr lang="zh-CN" altLang="en-US" smtClean="0"/>
-              <a:t>2018/3/14</a:t>
+              <a:t>2018/3/19</a:t>
             </a:fld>
             <a:endParaRPr lang="zh-CN" altLang="en-US"/>
           </a:p>
@@ -7490,6 +7490,9 @@
               <a:rPr lang="zh-CN" altLang="en-US" sz="2400" dirty="0"/>
               <a:t>脚本文件。</a:t>
             </a:r>
+            <a:endParaRPr lang="en-US" altLang="zh-CN" sz="2400"/>
+          </a:p>
+          <a:p>
             <a:endParaRPr lang="en-US" altLang="zh-CN" sz="2400" dirty="0"/>
           </a:p>
         </p:txBody>

--- a/materials/slides/ch03-lnmp-basic.pptx
+++ b/materials/slides/ch03-lnmp-basic.pptx
@@ -232,7 +232,7 @@
           <a:p>
             <a:fld id="{E923E828-953C-4D4A-9B10-11E7329F433D}" type="datetimeFigureOut">
               <a:rPr lang="zh-CN" altLang="en-US" smtClean="0"/>
-              <a:t>2018/3/19</a:t>
+              <a:t>2018/6/13</a:t>
             </a:fld>
             <a:endParaRPr lang="zh-CN" altLang="en-US"/>
           </a:p>
@@ -413,7 +413,7 @@
           <a:p>
             <a:fld id="{867C5346-22E5-4085-8130-851344A84DFF}" type="datetimeFigureOut">
               <a:rPr lang="zh-CN" altLang="en-US" smtClean="0"/>
-              <a:t>2018/3/19</a:t>
+              <a:t>2018/6/13</a:t>
             </a:fld>
             <a:endParaRPr lang="zh-CN" altLang="en-US"/>
           </a:p>
@@ -1511,7 +1511,7 @@
           <a:p>
             <a:fld id="{A5E21016-498F-4141-B0CA-D95A38CA7D62}" type="datetimeFigureOut">
               <a:rPr lang="zh-CN" altLang="en-US" smtClean="0"/>
-              <a:t>2018/3/19</a:t>
+              <a:t>2018/6/13</a:t>
             </a:fld>
             <a:endParaRPr lang="zh-CN" altLang="en-US"/>
           </a:p>
@@ -1741,7 +1741,7 @@
           <a:p>
             <a:fld id="{A5E21016-498F-4141-B0CA-D95A38CA7D62}" type="datetimeFigureOut">
               <a:rPr lang="zh-CN" altLang="en-US" smtClean="0"/>
-              <a:t>2018/3/19</a:t>
+              <a:t>2018/6/13</a:t>
             </a:fld>
             <a:endParaRPr lang="zh-CN" altLang="en-US"/>
           </a:p>
@@ -1976,7 +1976,7 @@
           <a:p>
             <a:fld id="{A5E21016-498F-4141-B0CA-D95A38CA7D62}" type="datetimeFigureOut">
               <a:rPr lang="zh-CN" altLang="en-US" smtClean="0"/>
-              <a:t>2018/3/19</a:t>
+              <a:t>2018/6/13</a:t>
             </a:fld>
             <a:endParaRPr lang="zh-CN" altLang="en-US"/>
           </a:p>
@@ -2538,7 +2538,7 @@
           <a:p>
             <a:fld id="{A5E21016-498F-4141-B0CA-D95A38CA7D62}" type="datetimeFigureOut">
               <a:rPr lang="zh-CN" altLang="en-US" smtClean="0"/>
-              <a:t>2018/3/19</a:t>
+              <a:t>2018/6/13</a:t>
             </a:fld>
             <a:endParaRPr lang="zh-CN" altLang="en-US"/>
           </a:p>
@@ -2835,7 +2835,7 @@
           <a:p>
             <a:fld id="{A5E21016-498F-4141-B0CA-D95A38CA7D62}" type="datetimeFigureOut">
               <a:rPr lang="zh-CN" altLang="en-US" smtClean="0"/>
-              <a:t>2018/3/19</a:t>
+              <a:t>2018/6/13</a:t>
             </a:fld>
             <a:endParaRPr lang="zh-CN" altLang="en-US"/>
           </a:p>
@@ -3274,7 +3274,7 @@
           <a:p>
             <a:fld id="{A5E21016-498F-4141-B0CA-D95A38CA7D62}" type="datetimeFigureOut">
               <a:rPr lang="zh-CN" altLang="en-US" smtClean="0"/>
-              <a:t>2018/3/19</a:t>
+              <a:t>2018/6/13</a:t>
             </a:fld>
             <a:endParaRPr lang="zh-CN" altLang="en-US"/>
           </a:p>
@@ -3447,7 +3447,7 @@
           <a:p>
             <a:fld id="{A5E21016-498F-4141-B0CA-D95A38CA7D62}" type="datetimeFigureOut">
               <a:rPr lang="zh-CN" altLang="en-US" smtClean="0"/>
-              <a:t>2018/3/19</a:t>
+              <a:t>2018/6/13</a:t>
             </a:fld>
             <a:endParaRPr lang="zh-CN" altLang="en-US"/>
           </a:p>
@@ -3584,7 +3584,7 @@
           <a:p>
             <a:fld id="{A5E21016-498F-4141-B0CA-D95A38CA7D62}" type="datetimeFigureOut">
               <a:rPr lang="zh-CN" altLang="en-US" smtClean="0"/>
-              <a:t>2018/3/19</a:t>
+              <a:t>2018/6/13</a:t>
             </a:fld>
             <a:endParaRPr lang="zh-CN" altLang="en-US"/>
           </a:p>
@@ -3922,7 +3922,7 @@
           <a:p>
             <a:fld id="{A5E21016-498F-4141-B0CA-D95A38CA7D62}" type="datetimeFigureOut">
               <a:rPr lang="zh-CN" altLang="en-US" smtClean="0"/>
-              <a:t>2018/3/19</a:t>
+              <a:t>2018/6/13</a:t>
             </a:fld>
             <a:endParaRPr lang="zh-CN" altLang="en-US"/>
           </a:p>
@@ -4237,7 +4237,7 @@
           <a:p>
             <a:fld id="{A5E21016-498F-4141-B0CA-D95A38CA7D62}" type="datetimeFigureOut">
               <a:rPr lang="zh-CN" altLang="en-US" smtClean="0"/>
-              <a:t>2018/3/19</a:t>
+              <a:t>2018/6/13</a:t>
             </a:fld>
             <a:endParaRPr lang="zh-CN" altLang="en-US"/>
           </a:p>
@@ -9035,8 +9035,48 @@
               <a:t>fastcgi</a:t>
             </a:r>
             <a:r>
+              <a:rPr lang="zh-CN" altLang="en-US"/>
+              <a:t>协议，启动时会</a:t>
+            </a:r>
+            <a:r>
               <a:rPr lang="zh-CN" altLang="en-US" dirty="0"/>
-              <a:t>协议，当</a:t>
+              <a:t>解析配置文件，初始化运行环境，加载扩展等操作，并作为</a:t>
+            </a:r>
+            <a:r>
+              <a:rPr lang="en-US" altLang="zh-CN" dirty="0"/>
+              <a:t>master</a:t>
+            </a:r>
+            <a:r>
+              <a:rPr lang="zh-CN" altLang="en-US" dirty="0"/>
+              <a:t>进程</a:t>
+            </a:r>
+            <a:r>
+              <a:rPr lang="en-US" altLang="zh-CN"/>
+              <a:t>fork</a:t>
+            </a:r>
+            <a:r>
+              <a:rPr lang="zh-CN" altLang="en-US"/>
+              <a:t>一些</a:t>
+            </a:r>
+            <a:r>
+              <a:rPr lang="en-US" altLang="zh-CN"/>
+              <a:t>worker</a:t>
+            </a:r>
+            <a:r>
+              <a:rPr lang="zh-CN" altLang="en-US"/>
+              <a:t>子进程，</a:t>
+            </a:r>
+            <a:r>
+              <a:rPr lang="zh-CN" altLang="en-US" dirty="0"/>
+              <a:t>请求被</a:t>
+            </a:r>
+            <a:r>
+              <a:rPr lang="en-US" altLang="zh-CN" dirty="0"/>
+              <a:t>Nginx</a:t>
+            </a:r>
+            <a:r>
+              <a:rPr lang="zh-CN" altLang="en-US" dirty="0"/>
+              <a:t>受理后，经过简单处理会发送到</a:t>
             </a:r>
             <a:r>
               <a:rPr lang="en-US" altLang="zh-CN" dirty="0" err="1"/>
@@ -9047,32 +9087,40 @@
               <a:t>-fpm</a:t>
             </a:r>
             <a:r>
+              <a:rPr lang="zh-CN" altLang="en-US"/>
+              <a:t>，</a:t>
+            </a:r>
+            <a:r>
+              <a:rPr lang="en-US" altLang="zh-CN"/>
+              <a:t> php-fpm</a:t>
+            </a:r>
+            <a:r>
+              <a:rPr lang="zh-CN" altLang="en-US"/>
+              <a:t>中的一个</a:t>
+            </a:r>
+            <a:r>
+              <a:rPr lang="en-US" altLang="zh-CN"/>
+              <a:t>worker</a:t>
+            </a:r>
+            <a:r>
+              <a:rPr lang="zh-CN" altLang="en-US"/>
+              <a:t>进程处理</a:t>
+            </a:r>
+            <a:r>
               <a:rPr lang="zh-CN" altLang="en-US" dirty="0"/>
-              <a:t>启动后会解析配置文件，初始化运行环境，加载扩展等操作，并作为</a:t>
-            </a:r>
-            <a:r>
-              <a:rPr lang="en-US" altLang="zh-CN" dirty="0"/>
-              <a:t>master</a:t>
+              <a:t>后把数据</a:t>
+            </a:r>
+            <a:r>
+              <a:rPr lang="zh-CN" altLang="en-US"/>
+              <a:t>返回给</a:t>
+            </a:r>
+            <a:r>
+              <a:rPr lang="en-US" altLang="zh-CN"/>
+              <a:t>Nginx</a:t>
             </a:r>
             <a:r>
               <a:rPr lang="zh-CN" altLang="en-US" dirty="0"/>
-              <a:t>进程</a:t>
-            </a:r>
-            <a:r>
-              <a:rPr lang="en-US" altLang="zh-CN" dirty="0"/>
-              <a:t>fork</a:t>
-            </a:r>
-            <a:r>
-              <a:rPr lang="zh-CN" altLang="en-US" dirty="0"/>
-              <a:t>一些子进程作为</a:t>
-            </a:r>
-            <a:r>
-              <a:rPr lang="en-US" altLang="zh-CN" dirty="0"/>
-              <a:t>worker</a:t>
-            </a:r>
-            <a:r>
-              <a:rPr lang="zh-CN" altLang="en-US" dirty="0"/>
-              <a:t>，请求被</a:t>
+              <a:t>，</a:t>
             </a:r>
             <a:r>
               <a:rPr lang="en-US" altLang="zh-CN" dirty="0"/>
@@ -9080,83 +9128,43 @@
             </a:r>
             <a:r>
               <a:rPr lang="zh-CN" altLang="en-US" dirty="0"/>
-              <a:t>受理后，经过简单处理会发送到</a:t>
-            </a:r>
-            <a:r>
-              <a:rPr lang="en-US" altLang="zh-CN" dirty="0" err="1"/>
-              <a:t>php</a:t>
-            </a:r>
-            <a:r>
-              <a:rPr lang="en-US" altLang="zh-CN" dirty="0"/>
-              <a:t>-fpm</a:t>
-            </a:r>
-            <a:r>
-              <a:rPr lang="zh-CN" altLang="en-US" dirty="0"/>
-              <a:t>，</a:t>
-            </a:r>
-            <a:r>
-              <a:rPr lang="en-US" altLang="zh-CN" dirty="0"/>
-              <a:t> </a:t>
-            </a:r>
-            <a:r>
-              <a:rPr lang="en-US" altLang="zh-CN" dirty="0" err="1"/>
-              <a:t>php</a:t>
-            </a:r>
-            <a:r>
-              <a:rPr lang="en-US" altLang="zh-CN" dirty="0"/>
-              <a:t>-fpm</a:t>
-            </a:r>
-            <a:r>
-              <a:rPr lang="zh-CN" altLang="en-US" dirty="0"/>
-              <a:t>会交给一个空闲的</a:t>
-            </a:r>
-            <a:r>
-              <a:rPr lang="en-US" altLang="zh-CN" dirty="0"/>
+              <a:t>返回响应</a:t>
+            </a:r>
+            <a:r>
+              <a:rPr lang="zh-CN" altLang="en-US"/>
+              <a:t>数据。</a:t>
+            </a:r>
+            <a:r>
+              <a:rPr lang="en-US" altLang="zh-CN"/>
+              <a:t>Nginx</a:t>
+            </a:r>
+            <a:r>
+              <a:rPr lang="zh-CN" altLang="en-US"/>
+              <a:t>默认也是使用</a:t>
+            </a:r>
+            <a:r>
+              <a:rPr lang="en-US" altLang="zh-CN"/>
               <a:t>worker</a:t>
             </a:r>
             <a:r>
-              <a:rPr lang="zh-CN" altLang="en-US" dirty="0"/>
-              <a:t>进程，</a:t>
-            </a:r>
-            <a:r>
-              <a:rPr lang="en-US" altLang="zh-CN" dirty="0"/>
+              <a:rPr lang="zh-CN" altLang="en-US"/>
+              <a:t>进程处理请求，多个</a:t>
+            </a:r>
+            <a:r>
+              <a:rPr lang="en-US" altLang="zh-CN"/>
               <a:t>worker</a:t>
             </a:r>
             <a:r>
-              <a:rPr lang="zh-CN" altLang="en-US" dirty="0"/>
-              <a:t>进程处理后把数据返回给</a:t>
-            </a:r>
-            <a:r>
-              <a:rPr lang="en-US" altLang="zh-CN" dirty="0"/>
-              <a:t>master</a:t>
-            </a:r>
-            <a:r>
-              <a:rPr lang="zh-CN" altLang="en-US" dirty="0"/>
-              <a:t>，</a:t>
-            </a:r>
-            <a:r>
-              <a:rPr lang="en-US" altLang="zh-CN" dirty="0"/>
-              <a:t>master</a:t>
-            </a:r>
-            <a:r>
-              <a:rPr lang="zh-CN" altLang="en-US" dirty="0"/>
-              <a:t>把数据返回</a:t>
-            </a:r>
-            <a:r>
-              <a:rPr lang="en-US" altLang="zh-CN" dirty="0"/>
-              <a:t>Nginx</a:t>
-            </a:r>
-            <a:r>
-              <a:rPr lang="zh-CN" altLang="en-US" dirty="0"/>
-              <a:t>，</a:t>
-            </a:r>
-            <a:r>
-              <a:rPr lang="en-US" altLang="zh-CN" dirty="0"/>
-              <a:t>Nginx</a:t>
-            </a:r>
-            <a:r>
-              <a:rPr lang="zh-CN" altLang="en-US" dirty="0"/>
-              <a:t>返回响应数据。</a:t>
+              <a:rPr lang="zh-CN" altLang="en-US"/>
+              <a:t>进程是公平竞争关系，一个请求到达后只会被某一个</a:t>
+            </a:r>
+            <a:r>
+              <a:rPr lang="en-US" altLang="zh-CN"/>
+              <a:t>worker</a:t>
+            </a:r>
+            <a:r>
+              <a:rPr lang="zh-CN" altLang="en-US"/>
+              <a:t>进程处理。</a:t>
             </a:r>
             <a:endParaRPr lang="en-US" altLang="zh-CN" dirty="0"/>
           </a:p>
@@ -9168,6 +9176,46 @@
               <a:buFont typeface="Arial" panose="020B0604020202020204" pitchFamily="34" charset="0"/>
               <a:buChar char="•"/>
             </a:pPr>
+            <a:r>
+              <a:rPr lang="en-US" altLang="zh-CN" dirty="0"/>
+              <a:t>master</a:t>
+            </a:r>
+            <a:r>
+              <a:rPr lang="zh-CN" altLang="en-US" dirty="0"/>
+              <a:t>进程是以</a:t>
+            </a:r>
+            <a:r>
+              <a:rPr lang="en-US" altLang="zh-CN" dirty="0"/>
+              <a:t>root</a:t>
+            </a:r>
+            <a:r>
+              <a:rPr lang="zh-CN" altLang="en-US" dirty="0"/>
+              <a:t>用户的身份运行的，而</a:t>
+            </a:r>
+            <a:r>
+              <a:rPr lang="en-US" altLang="zh-CN" dirty="0"/>
+              <a:t>worker</a:t>
+            </a:r>
+            <a:r>
+              <a:rPr lang="zh-CN" altLang="en-US"/>
+              <a:t>是用一个权限较低的用户。</a:t>
+            </a:r>
+            <a:r>
+              <a:rPr lang="en-US" altLang="zh-CN"/>
+              <a:t>master</a:t>
+            </a:r>
+            <a:r>
+              <a:rPr lang="zh-CN" altLang="en-US"/>
+              <a:t>进程主要是管理</a:t>
+            </a:r>
+            <a:r>
+              <a:rPr lang="en-US" altLang="zh-CN"/>
+              <a:t>worker</a:t>
+            </a:r>
+            <a:r>
+              <a:rPr lang="zh-CN" altLang="en-US"/>
+              <a:t>进程。</a:t>
+            </a:r>
             <a:endParaRPr lang="en-US" altLang="zh-CN" dirty="0"/>
           </a:p>
           <a:p>
@@ -9179,48 +9227,6 @@
               <a:buChar char="•"/>
             </a:pPr>
             <a:r>
-              <a:rPr lang="en-US" altLang="zh-CN" dirty="0"/>
-              <a:t>master</a:t>
-            </a:r>
-            <a:r>
-              <a:rPr lang="zh-CN" altLang="en-US" dirty="0"/>
-              <a:t>进程是以</a:t>
-            </a:r>
-            <a:r>
-              <a:rPr lang="en-US" altLang="zh-CN" dirty="0"/>
-              <a:t>root</a:t>
-            </a:r>
-            <a:r>
-              <a:rPr lang="zh-CN" altLang="en-US" dirty="0"/>
-              <a:t>用户的身份运行的，而</a:t>
-            </a:r>
-            <a:r>
-              <a:rPr lang="en-US" altLang="zh-CN" dirty="0"/>
-              <a:t>worker</a:t>
-            </a:r>
-            <a:r>
-              <a:rPr lang="zh-CN" altLang="en-US" dirty="0"/>
-              <a:t>是用其他用户，一般使用</a:t>
-            </a:r>
-            <a:r>
-              <a:rPr lang="en-US" altLang="zh-CN" dirty="0"/>
-              <a:t>www-data</a:t>
-            </a:r>
-            <a:r>
-              <a:rPr lang="zh-CN" altLang="en-US" dirty="0"/>
-              <a:t>。</a:t>
-            </a:r>
-            <a:endParaRPr lang="en-US" altLang="zh-CN" dirty="0"/>
-          </a:p>
-          <a:p>
-            <a:pPr marL="285750" indent="-285750">
-              <a:lnSpc>
-                <a:spcPts val="2300"/>
-              </a:lnSpc>
-              <a:buFont typeface="Arial" panose="020B0604020202020204" pitchFamily="34" charset="0"/>
-              <a:buChar char="•"/>
-            </a:pPr>
-            <a:r>
               <a:rPr lang="zh-CN" altLang="en-US" dirty="0"/>
               <a:t>注意：</a:t>
             </a:r>
@@ -9242,35 +9248,31 @@
             </a:r>
             <a:r>
               <a:rPr lang="zh-CN" altLang="en-US" dirty="0"/>
-              <a:t>是不同的，二者不相关，</a:t>
-            </a:r>
-            <a:r>
-              <a:rPr lang="en-US" altLang="zh-CN" dirty="0" err="1"/>
-              <a:t>php</a:t>
-            </a:r>
-            <a:r>
-              <a:rPr lang="en-US" altLang="zh-CN" dirty="0"/>
-              <a:t>-fpm</a:t>
-            </a:r>
-            <a:r>
-              <a:rPr lang="zh-CN" altLang="en-US" dirty="0"/>
-              <a:t>可以根据配置启动时运行一些</a:t>
-            </a:r>
-            <a:r>
-              <a:rPr lang="en-US" altLang="zh-CN" dirty="0"/>
-              <a:t>worker</a:t>
-            </a:r>
-            <a:r>
-              <a:rPr lang="zh-CN" altLang="en-US" dirty="0"/>
-              <a:t>进程，</a:t>
-            </a:r>
-            <a:r>
-              <a:rPr lang="en-US" altLang="zh-CN" dirty="0" err="1"/>
-              <a:t>php</a:t>
-            </a:r>
-            <a:r>
-              <a:rPr lang="en-US" altLang="zh-CN" dirty="0"/>
-              <a:t>-fpm</a:t>
+              <a:t>是</a:t>
+            </a:r>
+            <a:r>
+              <a:rPr lang="zh-CN" altLang="en-US"/>
+              <a:t>不同的，</a:t>
+            </a:r>
+            <a:r>
+              <a:rPr lang="en-US" altLang="zh-CN"/>
+              <a:t>php-fpm</a:t>
+            </a:r>
+            <a:r>
+              <a:rPr lang="zh-CN" altLang="en-US"/>
+              <a:t>不会去调用</a:t>
+            </a:r>
+            <a:r>
+              <a:rPr lang="en-US" altLang="zh-CN"/>
+              <a:t>php-cgi</a:t>
+            </a:r>
+            <a:r>
+              <a:rPr lang="zh-CN" altLang="en-US"/>
+              <a:t>。</a:t>
+            </a:r>
+            <a:r>
+              <a:rPr lang="en-US" altLang="zh-CN"/>
+              <a:t>php-fpm</a:t>
             </a:r>
             <a:r>
               <a:rPr lang="zh-CN" altLang="en-US" dirty="0"/>
@@ -9535,7 +9537,7 @@
             <a:p>
               <a:pPr algn="ctr"/>
               <a:r>
-                <a:rPr lang="en-US" altLang="zh-CN" dirty="0" err="1">
+                <a:rPr lang="en-US" altLang="zh-CN" err="1">
                   <a:solidFill>
                     <a:schemeClr val="tx1"/>
                   </a:solidFill>
@@ -9543,12 +9545,20 @@
                 <a:t>php</a:t>
               </a:r>
               <a:r>
-                <a:rPr lang="en-US" altLang="zh-CN" dirty="0">
+                <a:rPr lang="en-US" altLang="zh-CN">
                   <a:solidFill>
                     <a:schemeClr val="tx1"/>
                   </a:solidFill>
                 </a:rPr>
-                <a:t>-fpm  master</a:t>
+                <a:t>-fpm  worker</a:t>
+              </a:r>
+              <a:r>
+                <a:rPr lang="zh-CN" altLang="en-US">
+                  <a:solidFill>
+                    <a:schemeClr val="tx1"/>
+                  </a:solidFill>
+                </a:rPr>
+                <a:t>进程</a:t>
               </a:r>
               <a:r>
                 <a:rPr lang="zh-CN" altLang="en-US" dirty="0">
@@ -9556,7 +9566,7 @@
                     <a:schemeClr val="tx1"/>
                   </a:solidFill>
                 </a:rPr>
-                <a:t>进程，默认运行在</a:t>
+                <a:t>，默认运行在</a:t>
               </a:r>
               <a:r>
                 <a:rPr lang="en-US" altLang="zh-CN" dirty="0">
